--- a/docs/checkpoint.pptx
+++ b/docs/checkpoint.pptx
@@ -108,7 +108,41 @@
       </a:defRPr>
     </a:lvl9pPr>
   </p:defaultTextStyle>
+  <p:extLst>
+    <p:ext uri="{EFAFB233-063F-42B5-8137-9DF3F51BA10A}">
+      <p15:sldGuideLst xmlns:p15="http://schemas.microsoft.com/office/powerpoint/2012/main"/>
+    </p:ext>
+  </p:extLst>
 </p:presentation>
+</file>
+
+<file path=ppt/changesInfos/changesInfo1.xml><?xml version="1.0" encoding="utf-8"?>
+<pc:chgInfo xmlns:a="http://schemas.openxmlformats.org/drawingml/2006/main" xmlns:r="http://schemas.openxmlformats.org/officeDocument/2006/relationships" xmlns:ac="http://schemas.microsoft.com/office/drawing/2013/main/command" xmlns:pc="http://schemas.microsoft.com/office/powerpoint/2013/main/command">
+  <pc:docChgLst>
+    <pc:chgData name="André Costa" userId="19fc697903e1aad7" providerId="LiveId" clId="{F9384AFB-4292-4E89-B21C-57023ED737FD}"/>
+    <pc:docChg chg="modSld">
+      <pc:chgData name="André Costa" userId="19fc697903e1aad7" providerId="LiveId" clId="{F9384AFB-4292-4E89-B21C-57023ED737FD}" dt="2023-05-02T19:37:03.056" v="73" actId="20577"/>
+      <pc:docMkLst>
+        <pc:docMk/>
+      </pc:docMkLst>
+      <pc:sldChg chg="modSp mod">
+        <pc:chgData name="André Costa" userId="19fc697903e1aad7" providerId="LiveId" clId="{F9384AFB-4292-4E89-B21C-57023ED737FD}" dt="2023-05-02T19:37:03.056" v="73" actId="20577"/>
+        <pc:sldMkLst>
+          <pc:docMk/>
+          <pc:sldMk cId="2068101650" sldId="260"/>
+        </pc:sldMkLst>
+        <pc:spChg chg="mod">
+          <ac:chgData name="André Costa" userId="19fc697903e1aad7" providerId="LiveId" clId="{F9384AFB-4292-4E89-B21C-57023ED737FD}" dt="2023-05-02T19:37:03.056" v="73" actId="20577"/>
+          <ac:spMkLst>
+            <pc:docMk/>
+            <pc:sldMk cId="2068101650" sldId="260"/>
+            <ac:spMk id="3" creationId="{C9FF7FA9-CD0D-E0F8-F302-B0E747AF24A9}"/>
+          </ac:spMkLst>
+        </pc:spChg>
+      </pc:sldChg>
+    </pc:docChg>
+  </pc:docChgLst>
+</pc:chgInfo>
 </file>
 
 <file path=ppt/slideLayouts/slideLayout1.xml><?xml version="1.0" encoding="utf-8"?>
@@ -258,7 +292,7 @@
           <a:p>
             <a:fld id="{6B0EF491-B434-477E-862B-117F5FDA35FB}" type="datetimeFigureOut">
               <a:rPr lang="en-US" smtClean="0"/>
-              <a:t>4/29/2023</a:t>
+              <a:t>5/2/2023</a:t>
             </a:fld>
             <a:endParaRPr lang="en-US"/>
           </a:p>
@@ -456,7 +490,7 @@
           <a:p>
             <a:fld id="{6B0EF491-B434-477E-862B-117F5FDA35FB}" type="datetimeFigureOut">
               <a:rPr lang="en-US" smtClean="0"/>
-              <a:t>4/29/2023</a:t>
+              <a:t>5/2/2023</a:t>
             </a:fld>
             <a:endParaRPr lang="en-US"/>
           </a:p>
@@ -664,7 +698,7 @@
           <a:p>
             <a:fld id="{6B0EF491-B434-477E-862B-117F5FDA35FB}" type="datetimeFigureOut">
               <a:rPr lang="en-US" smtClean="0"/>
-              <a:t>4/29/2023</a:t>
+              <a:t>5/2/2023</a:t>
             </a:fld>
             <a:endParaRPr lang="en-US"/>
           </a:p>
@@ -862,7 +896,7 @@
           <a:p>
             <a:fld id="{6B0EF491-B434-477E-862B-117F5FDA35FB}" type="datetimeFigureOut">
               <a:rPr lang="en-US" smtClean="0"/>
-              <a:t>4/29/2023</a:t>
+              <a:t>5/2/2023</a:t>
             </a:fld>
             <a:endParaRPr lang="en-US"/>
           </a:p>
@@ -1137,7 +1171,7 @@
           <a:p>
             <a:fld id="{6B0EF491-B434-477E-862B-117F5FDA35FB}" type="datetimeFigureOut">
               <a:rPr lang="en-US" smtClean="0"/>
-              <a:t>4/29/2023</a:t>
+              <a:t>5/2/2023</a:t>
             </a:fld>
             <a:endParaRPr lang="en-US"/>
           </a:p>
@@ -1402,7 +1436,7 @@
           <a:p>
             <a:fld id="{6B0EF491-B434-477E-862B-117F5FDA35FB}" type="datetimeFigureOut">
               <a:rPr lang="en-US" smtClean="0"/>
-              <a:t>4/29/2023</a:t>
+              <a:t>5/2/2023</a:t>
             </a:fld>
             <a:endParaRPr lang="en-US"/>
           </a:p>
@@ -1814,7 +1848,7 @@
           <a:p>
             <a:fld id="{6B0EF491-B434-477E-862B-117F5FDA35FB}" type="datetimeFigureOut">
               <a:rPr lang="en-US" smtClean="0"/>
-              <a:t>4/29/2023</a:t>
+              <a:t>5/2/2023</a:t>
             </a:fld>
             <a:endParaRPr lang="en-US"/>
           </a:p>
@@ -1955,7 +1989,7 @@
           <a:p>
             <a:fld id="{6B0EF491-B434-477E-862B-117F5FDA35FB}" type="datetimeFigureOut">
               <a:rPr lang="en-US" smtClean="0"/>
-              <a:t>4/29/2023</a:t>
+              <a:t>5/2/2023</a:t>
             </a:fld>
             <a:endParaRPr lang="en-US"/>
           </a:p>
@@ -2068,7 +2102,7 @@
           <a:p>
             <a:fld id="{6B0EF491-B434-477E-862B-117F5FDA35FB}" type="datetimeFigureOut">
               <a:rPr lang="en-US" smtClean="0"/>
-              <a:t>4/29/2023</a:t>
+              <a:t>5/2/2023</a:t>
             </a:fld>
             <a:endParaRPr lang="en-US"/>
           </a:p>
@@ -2379,7 +2413,7 @@
           <a:p>
             <a:fld id="{6B0EF491-B434-477E-862B-117F5FDA35FB}" type="datetimeFigureOut">
               <a:rPr lang="en-US" smtClean="0"/>
-              <a:t>4/29/2023</a:t>
+              <a:t>5/2/2023</a:t>
             </a:fld>
             <a:endParaRPr lang="en-US"/>
           </a:p>
@@ -2667,7 +2701,7 @@
           <a:p>
             <a:fld id="{6B0EF491-B434-477E-862B-117F5FDA35FB}" type="datetimeFigureOut">
               <a:rPr lang="en-US" smtClean="0"/>
-              <a:t>4/29/2023</a:t>
+              <a:t>5/2/2023</a:t>
             </a:fld>
             <a:endParaRPr lang="en-US"/>
           </a:p>
@@ -2908,7 +2942,7 @@
           <a:p>
             <a:fld id="{6B0EF491-B434-477E-862B-117F5FDA35FB}" type="datetimeFigureOut">
               <a:rPr lang="en-US" smtClean="0"/>
-              <a:t>4/29/2023</a:t>
+              <a:t>5/2/2023</a:t>
             </a:fld>
             <a:endParaRPr lang="en-US"/>
           </a:p>
@@ -5809,11 +5843,19 @@
             </a:br>
             <a:r>
               <a:rPr lang="en-US" sz="2400" dirty="0"/>
-              <a:t>	The dataset was decreased from 2111 rows to 1941 and the best algorithm with </a:t>
+              <a:t>	The dataset was decreased from 2111 rows to 1941 and the best algorithm with an accuracy of 94% is the </a:t>
+            </a:r>
+            <a:r>
+              <a:rPr lang="en-US" sz="2400" dirty="0" err="1"/>
+              <a:t>DecisionTreeClassifier</a:t>
+            </a:r>
+            <a:r>
+              <a:rPr lang="en-US" sz="2400" dirty="0"/>
+              <a:t> and 82% on the </a:t>
             </a:r>
             <a:r>
               <a:rPr lang="en-US" sz="2400"/>
-              <a:t>an accuracy of 93.7% is the … .</a:t>
+              <a:t>KNeighborsClassifier.</a:t>
             </a:r>
             <a:endParaRPr lang="en-US" sz="2400" dirty="0"/>
           </a:p>

--- a/docs/checkpoint.pptx
+++ b/docs/checkpoint.pptx
@@ -120,19 +120,49 @@
 <pc:chgInfo xmlns:a="http://schemas.openxmlformats.org/drawingml/2006/main" xmlns:r="http://schemas.openxmlformats.org/officeDocument/2006/relationships" xmlns:ac="http://schemas.microsoft.com/office/drawing/2013/main/command" xmlns:pc="http://schemas.microsoft.com/office/powerpoint/2013/main/command">
   <pc:docChgLst>
     <pc:chgData name="André Costa" userId="19fc697903e1aad7" providerId="LiveId" clId="{F9384AFB-4292-4E89-B21C-57023ED737FD}"/>
-    <pc:docChg chg="modSld">
-      <pc:chgData name="André Costa" userId="19fc697903e1aad7" providerId="LiveId" clId="{F9384AFB-4292-4E89-B21C-57023ED737FD}" dt="2023-05-02T19:37:03.056" v="73" actId="20577"/>
+    <pc:docChg chg="undo custSel modSld">
+      <pc:chgData name="André Costa" userId="19fc697903e1aad7" providerId="LiveId" clId="{F9384AFB-4292-4E89-B21C-57023ED737FD}" dt="2023-05-03T16:07:10.943" v="596" actId="20577"/>
       <pc:docMkLst>
         <pc:docMk/>
       </pc:docMkLst>
       <pc:sldChg chg="modSp mod">
-        <pc:chgData name="André Costa" userId="19fc697903e1aad7" providerId="LiveId" clId="{F9384AFB-4292-4E89-B21C-57023ED737FD}" dt="2023-05-02T19:37:03.056" v="73" actId="20577"/>
+        <pc:chgData name="André Costa" userId="19fc697903e1aad7" providerId="LiveId" clId="{F9384AFB-4292-4E89-B21C-57023ED737FD}" dt="2023-05-03T15:44:04.793" v="421" actId="1038"/>
+        <pc:sldMkLst>
+          <pc:docMk/>
+          <pc:sldMk cId="3814654655" sldId="258"/>
+        </pc:sldMkLst>
+        <pc:spChg chg="mod">
+          <ac:chgData name="André Costa" userId="19fc697903e1aad7" providerId="LiveId" clId="{F9384AFB-4292-4E89-B21C-57023ED737FD}" dt="2023-05-03T15:44:04.793" v="421" actId="1038"/>
+          <ac:spMkLst>
+            <pc:docMk/>
+            <pc:sldMk cId="3814654655" sldId="258"/>
+            <ac:spMk id="3" creationId="{C9FF7FA9-CD0D-E0F8-F302-B0E747AF24A9}"/>
+          </ac:spMkLst>
+        </pc:spChg>
+      </pc:sldChg>
+      <pc:sldChg chg="modSp mod">
+        <pc:chgData name="André Costa" userId="19fc697903e1aad7" providerId="LiveId" clId="{F9384AFB-4292-4E89-B21C-57023ED737FD}" dt="2023-05-03T16:04:50.030" v="547" actId="20577"/>
+        <pc:sldMkLst>
+          <pc:docMk/>
+          <pc:sldMk cId="280006060" sldId="259"/>
+        </pc:sldMkLst>
+        <pc:spChg chg="mod">
+          <ac:chgData name="André Costa" userId="19fc697903e1aad7" providerId="LiveId" clId="{F9384AFB-4292-4E89-B21C-57023ED737FD}" dt="2023-05-03T16:04:50.030" v="547" actId="20577"/>
+          <ac:spMkLst>
+            <pc:docMk/>
+            <pc:sldMk cId="280006060" sldId="259"/>
+            <ac:spMk id="3" creationId="{C9FF7FA9-CD0D-E0F8-F302-B0E747AF24A9}"/>
+          </ac:spMkLst>
+        </pc:spChg>
+      </pc:sldChg>
+      <pc:sldChg chg="modSp mod">
+        <pc:chgData name="André Costa" userId="19fc697903e1aad7" providerId="LiveId" clId="{F9384AFB-4292-4E89-B21C-57023ED737FD}" dt="2023-05-03T16:07:10.943" v="596" actId="20577"/>
         <pc:sldMkLst>
           <pc:docMk/>
           <pc:sldMk cId="2068101650" sldId="260"/>
         </pc:sldMkLst>
         <pc:spChg chg="mod">
-          <ac:chgData name="André Costa" userId="19fc697903e1aad7" providerId="LiveId" clId="{F9384AFB-4292-4E89-B21C-57023ED737FD}" dt="2023-05-02T19:37:03.056" v="73" actId="20577"/>
+          <ac:chgData name="André Costa" userId="19fc697903e1aad7" providerId="LiveId" clId="{F9384AFB-4292-4E89-B21C-57023ED737FD}" dt="2023-05-03T16:07:10.943" v="596" actId="20577"/>
           <ac:spMkLst>
             <pc:docMk/>
             <pc:sldMk cId="2068101650" sldId="260"/>
@@ -292,7 +322,7 @@
           <a:p>
             <a:fld id="{6B0EF491-B434-477E-862B-117F5FDA35FB}" type="datetimeFigureOut">
               <a:rPr lang="en-US" smtClean="0"/>
-              <a:t>5/2/2023</a:t>
+              <a:t>5/3/2023</a:t>
             </a:fld>
             <a:endParaRPr lang="en-US"/>
           </a:p>
@@ -490,7 +520,7 @@
           <a:p>
             <a:fld id="{6B0EF491-B434-477E-862B-117F5FDA35FB}" type="datetimeFigureOut">
               <a:rPr lang="en-US" smtClean="0"/>
-              <a:t>5/2/2023</a:t>
+              <a:t>5/3/2023</a:t>
             </a:fld>
             <a:endParaRPr lang="en-US"/>
           </a:p>
@@ -698,7 +728,7 @@
           <a:p>
             <a:fld id="{6B0EF491-B434-477E-862B-117F5FDA35FB}" type="datetimeFigureOut">
               <a:rPr lang="en-US" smtClean="0"/>
-              <a:t>5/2/2023</a:t>
+              <a:t>5/3/2023</a:t>
             </a:fld>
             <a:endParaRPr lang="en-US"/>
           </a:p>
@@ -896,7 +926,7 @@
           <a:p>
             <a:fld id="{6B0EF491-B434-477E-862B-117F5FDA35FB}" type="datetimeFigureOut">
               <a:rPr lang="en-US" smtClean="0"/>
-              <a:t>5/2/2023</a:t>
+              <a:t>5/3/2023</a:t>
             </a:fld>
             <a:endParaRPr lang="en-US"/>
           </a:p>
@@ -1171,7 +1201,7 @@
           <a:p>
             <a:fld id="{6B0EF491-B434-477E-862B-117F5FDA35FB}" type="datetimeFigureOut">
               <a:rPr lang="en-US" smtClean="0"/>
-              <a:t>5/2/2023</a:t>
+              <a:t>5/3/2023</a:t>
             </a:fld>
             <a:endParaRPr lang="en-US"/>
           </a:p>
@@ -1436,7 +1466,7 @@
           <a:p>
             <a:fld id="{6B0EF491-B434-477E-862B-117F5FDA35FB}" type="datetimeFigureOut">
               <a:rPr lang="en-US" smtClean="0"/>
-              <a:t>5/2/2023</a:t>
+              <a:t>5/3/2023</a:t>
             </a:fld>
             <a:endParaRPr lang="en-US"/>
           </a:p>
@@ -1848,7 +1878,7 @@
           <a:p>
             <a:fld id="{6B0EF491-B434-477E-862B-117F5FDA35FB}" type="datetimeFigureOut">
               <a:rPr lang="en-US" smtClean="0"/>
-              <a:t>5/2/2023</a:t>
+              <a:t>5/3/2023</a:t>
             </a:fld>
             <a:endParaRPr lang="en-US"/>
           </a:p>
@@ -1989,7 +2019,7 @@
           <a:p>
             <a:fld id="{6B0EF491-B434-477E-862B-117F5FDA35FB}" type="datetimeFigureOut">
               <a:rPr lang="en-US" smtClean="0"/>
-              <a:t>5/2/2023</a:t>
+              <a:t>5/3/2023</a:t>
             </a:fld>
             <a:endParaRPr lang="en-US"/>
           </a:p>
@@ -2102,7 +2132,7 @@
           <a:p>
             <a:fld id="{6B0EF491-B434-477E-862B-117F5FDA35FB}" type="datetimeFigureOut">
               <a:rPr lang="en-US" smtClean="0"/>
-              <a:t>5/2/2023</a:t>
+              <a:t>5/3/2023</a:t>
             </a:fld>
             <a:endParaRPr lang="en-US"/>
           </a:p>
@@ -2413,7 +2443,7 @@
           <a:p>
             <a:fld id="{6B0EF491-B434-477E-862B-117F5FDA35FB}" type="datetimeFigureOut">
               <a:rPr lang="en-US" smtClean="0"/>
-              <a:t>5/2/2023</a:t>
+              <a:t>5/3/2023</a:t>
             </a:fld>
             <a:endParaRPr lang="en-US"/>
           </a:p>
@@ -2701,7 +2731,7 @@
           <a:p>
             <a:fld id="{6B0EF491-B434-477E-862B-117F5FDA35FB}" type="datetimeFigureOut">
               <a:rPr lang="en-US" smtClean="0"/>
-              <a:t>5/2/2023</a:t>
+              <a:t>5/3/2023</a:t>
             </a:fld>
             <a:endParaRPr lang="en-US"/>
           </a:p>
@@ -2942,7 +2972,7 @@
           <a:p>
             <a:fld id="{6B0EF491-B434-477E-862B-117F5FDA35FB}" type="datetimeFigureOut">
               <a:rPr lang="en-US" smtClean="0"/>
-              <a:t>5/2/2023</a:t>
+              <a:t>5/3/2023</a:t>
             </a:fld>
             <a:endParaRPr lang="en-US"/>
           </a:p>
@@ -4759,7 +4789,7 @@
         </p:nvSpPr>
         <p:spPr>
           <a:xfrm>
-            <a:off x="1045028" y="3017522"/>
+            <a:off x="1054172" y="3017522"/>
             <a:ext cx="9941319" cy="3124658"/>
           </a:xfrm>
         </p:spPr>
@@ -4774,7 +4804,15 @@
             </a:pPr>
             <a:r>
               <a:rPr lang="en-US" sz="2400" dirty="0"/>
-              <a:t>	During the cleaning process of the dataset, we found that reading the attribute descriptions and reviewing the article provided was helpful for a better understanding of the dataset.</a:t>
+              <a:t>	During the cleaning process of the dataset, we found that reading the attribute descriptions and reviewing the article provided was helpful for a better understanding of the dataset. It helped us understand </a:t>
+            </a:r>
+            <a:r>
+              <a:rPr lang="en-US" sz="2400" dirty="0" err="1"/>
+              <a:t>whichs</a:t>
+            </a:r>
+            <a:r>
+              <a:rPr lang="en-US" sz="2400" dirty="0"/>
+              <a:t> features could be more important and which types of “outliers” we could have.</a:t>
             </a:r>
           </a:p>
           <a:p>
@@ -4783,7 +4821,7 @@
             </a:pPr>
             <a:r>
               <a:rPr lang="en-US" sz="2400" dirty="0"/>
-              <a:t>	Additionally, we found the scikit-learn webpage to be extremely useful for implementing the supervised learning algorithms.</a:t>
+              <a:t>	Additionally, we found the scikit-learn webpage to be useful for implementing the supervised learning algorithms.</a:t>
             </a:r>
           </a:p>
         </p:txBody>
@@ -5317,8 +5355,14 @@
             </a:br>
             <a:r>
               <a:rPr lang="en-US" sz="2400" dirty="0"/>
-              <a:t>	The algorithms to implement are described in the introduction of the project. The objective is to implement every one of them to have more information about the data.</a:t>
-            </a:r>
+              <a:t>	The algorithms to implement are described in the introduction of the project. The goal is to compare different types of classifiers and identify which one performs best for the given task. The errors generated by each classifier will be analyzed to gain insight into their strengths and weaknesses.</a:t>
+            </a:r>
+          </a:p>
+          <a:p>
+            <a:pPr marL="0" indent="0">
+              <a:buNone/>
+            </a:pPr>
+            <a:endParaRPr lang="en-US" sz="2400" dirty="0"/>
           </a:p>
         </p:txBody>
       </p:sp>
@@ -5843,7 +5887,7 @@
             </a:br>
             <a:r>
               <a:rPr lang="en-US" sz="2400" dirty="0"/>
-              <a:t>	The dataset was decreased from 2111 rows to 1941 and the best algorithm with an accuracy of 94% is the </a:t>
+              <a:t>	The dataset was decreased from 2111 rows to 1941 and the best algorithm with an accuracy of 93% is the </a:t>
             </a:r>
             <a:r>
               <a:rPr lang="en-US" sz="2400" dirty="0" err="1"/>
@@ -5851,13 +5895,20 @@
             </a:r>
             <a:r>
               <a:rPr lang="en-US" sz="2400" dirty="0"/>
-              <a:t> and 82% on the </a:t>
+              <a:t> and 88% on the </a:t>
+            </a:r>
+            <a:r>
+              <a:rPr lang="en-US" sz="2400" dirty="0" err="1"/>
+              <a:t>KNeighborsClassifier</a:t>
             </a:r>
             <a:r>
               <a:rPr lang="en-US" sz="2400"/>
-              <a:t>KNeighborsClassifier.</a:t>
-            </a:r>
-            <a:endParaRPr lang="en-US" sz="2400" dirty="0"/>
+              <a:t>. An </a:t>
+            </a:r>
+            <a:r>
+              <a:rPr lang="en-US" sz="2400" dirty="0"/>
+              <a:t>analysis of the errors generated by each classifier remains to be conducted.</a:t>
+            </a:r>
           </a:p>
         </p:txBody>
       </p:sp>

--- a/docs/checkpoint.pptx
+++ b/docs/checkpoint.pptx
@@ -10,6 +10,10 @@
     <p:sldId id="258" r:id="rId4"/>
     <p:sldId id="259" r:id="rId5"/>
     <p:sldId id="260" r:id="rId6"/>
+    <p:sldId id="261" r:id="rId7"/>
+    <p:sldId id="262" r:id="rId8"/>
+    <p:sldId id="263" r:id="rId9"/>
+    <p:sldId id="264" r:id="rId10"/>
   </p:sldIdLst>
   <p:sldSz cx="12192000" cy="6858000"/>
   <p:notesSz cx="6858000" cy="9144000"/>
@@ -116,23 +120,69 @@
 </p:presentation>
 </file>
 
+<file path=ppt/revisionInfo.xml><?xml version="1.0" encoding="utf-8"?>
+<p1510:revInfo xmlns:a="http://schemas.openxmlformats.org/drawingml/2006/main" xmlns:r="http://schemas.openxmlformats.org/officeDocument/2006/relationships" xmlns:p1510="http://schemas.microsoft.com/office/powerpoint/2015/10/main">
+  <p1510:revLst>
+    <p1510:client id="{F9384AFB-4292-4E89-B21C-57023ED737FD}" v="16" dt="2023-05-19T18:27:44.088"/>
+  </p1510:revLst>
+</p1510:revInfo>
+</file>
+
 <file path=ppt/changesInfos/changesInfo1.xml><?xml version="1.0" encoding="utf-8"?>
 <pc:chgInfo xmlns:a="http://schemas.openxmlformats.org/drawingml/2006/main" xmlns:r="http://schemas.openxmlformats.org/officeDocument/2006/relationships" xmlns:ac="http://schemas.microsoft.com/office/drawing/2013/main/command" xmlns:pc="http://schemas.microsoft.com/office/powerpoint/2013/main/command">
   <pc:docChgLst>
     <pc:chgData name="André Costa" userId="19fc697903e1aad7" providerId="LiveId" clId="{F9384AFB-4292-4E89-B21C-57023ED737FD}"/>
-    <pc:docChg chg="undo custSel modSld">
-      <pc:chgData name="André Costa" userId="19fc697903e1aad7" providerId="LiveId" clId="{F9384AFB-4292-4E89-B21C-57023ED737FD}" dt="2023-05-03T16:07:10.943" v="596" actId="20577"/>
+    <pc:docChg chg="undo custSel addSld delSld modSld sldOrd">
+      <pc:chgData name="André Costa" userId="19fc697903e1aad7" providerId="LiveId" clId="{F9384AFB-4292-4E89-B21C-57023ED737FD}" dt="2023-05-19T18:32:38.761" v="2782" actId="14100"/>
       <pc:docMkLst>
         <pc:docMk/>
       </pc:docMkLst>
       <pc:sldChg chg="modSp mod">
-        <pc:chgData name="André Costa" userId="19fc697903e1aad7" providerId="LiveId" clId="{F9384AFB-4292-4E89-B21C-57023ED737FD}" dt="2023-05-03T15:44:04.793" v="421" actId="1038"/>
+        <pc:chgData name="André Costa" userId="19fc697903e1aad7" providerId="LiveId" clId="{F9384AFB-4292-4E89-B21C-57023ED737FD}" dt="2023-05-19T18:32:38.761" v="2782" actId="14100"/>
+        <pc:sldMkLst>
+          <pc:docMk/>
+          <pc:sldMk cId="776299781" sldId="256"/>
+        </pc:sldMkLst>
+        <pc:spChg chg="mod">
+          <ac:chgData name="André Costa" userId="19fc697903e1aad7" providerId="LiveId" clId="{F9384AFB-4292-4E89-B21C-57023ED737FD}" dt="2023-05-19T18:32:38.761" v="2782" actId="14100"/>
+          <ac:spMkLst>
+            <pc:docMk/>
+            <pc:sldMk cId="776299781" sldId="256"/>
+            <ac:spMk id="2" creationId="{D229A054-C5BC-E23A-5090-7FE92FFE9234}"/>
+          </ac:spMkLst>
+        </pc:spChg>
+      </pc:sldChg>
+      <pc:sldChg chg="modSp mod">
+        <pc:chgData name="André Costa" userId="19fc697903e1aad7" providerId="LiveId" clId="{F9384AFB-4292-4E89-B21C-57023ED737FD}" dt="2023-05-19T15:37:02.166" v="1134" actId="404"/>
+        <pc:sldMkLst>
+          <pc:docMk/>
+          <pc:sldMk cId="2534144422" sldId="257"/>
+        </pc:sldMkLst>
+        <pc:spChg chg="mod">
+          <ac:chgData name="André Costa" userId="19fc697903e1aad7" providerId="LiveId" clId="{F9384AFB-4292-4E89-B21C-57023ED737FD}" dt="2023-05-19T15:37:02.166" v="1134" actId="404"/>
+          <ac:spMkLst>
+            <pc:docMk/>
+            <pc:sldMk cId="2534144422" sldId="257"/>
+            <ac:spMk id="3" creationId="{C9FF7FA9-CD0D-E0F8-F302-B0E747AF24A9}"/>
+          </ac:spMkLst>
+        </pc:spChg>
+      </pc:sldChg>
+      <pc:sldChg chg="modSp mod">
+        <pc:chgData name="André Costa" userId="19fc697903e1aad7" providerId="LiveId" clId="{F9384AFB-4292-4E89-B21C-57023ED737FD}" dt="2023-05-19T15:37:07.226" v="1135" actId="404"/>
         <pc:sldMkLst>
           <pc:docMk/>
           <pc:sldMk cId="3814654655" sldId="258"/>
         </pc:sldMkLst>
         <pc:spChg chg="mod">
-          <ac:chgData name="André Costa" userId="19fc697903e1aad7" providerId="LiveId" clId="{F9384AFB-4292-4E89-B21C-57023ED737FD}" dt="2023-05-03T15:44:04.793" v="421" actId="1038"/>
+          <ac:chgData name="André Costa" userId="19fc697903e1aad7" providerId="LiveId" clId="{F9384AFB-4292-4E89-B21C-57023ED737FD}" dt="2023-05-19T15:24:33.267" v="637" actId="20577"/>
+          <ac:spMkLst>
+            <pc:docMk/>
+            <pc:sldMk cId="3814654655" sldId="258"/>
+            <ac:spMk id="2" creationId="{A3E5AD32-2BF4-A76D-607F-3633BB430573}"/>
+          </ac:spMkLst>
+        </pc:spChg>
+        <pc:spChg chg="mod">
+          <ac:chgData name="André Costa" userId="19fc697903e1aad7" providerId="LiveId" clId="{F9384AFB-4292-4E89-B21C-57023ED737FD}" dt="2023-05-19T15:37:07.226" v="1135" actId="404"/>
           <ac:spMkLst>
             <pc:docMk/>
             <pc:sldMk cId="3814654655" sldId="258"/>
@@ -141,13 +191,21 @@
         </pc:spChg>
       </pc:sldChg>
       <pc:sldChg chg="modSp mod">
-        <pc:chgData name="André Costa" userId="19fc697903e1aad7" providerId="LiveId" clId="{F9384AFB-4292-4E89-B21C-57023ED737FD}" dt="2023-05-03T16:04:50.030" v="547" actId="20577"/>
+        <pc:chgData name="André Costa" userId="19fc697903e1aad7" providerId="LiveId" clId="{F9384AFB-4292-4E89-B21C-57023ED737FD}" dt="2023-05-19T18:21:15.166" v="2280" actId="27636"/>
         <pc:sldMkLst>
           <pc:docMk/>
           <pc:sldMk cId="280006060" sldId="259"/>
         </pc:sldMkLst>
         <pc:spChg chg="mod">
-          <ac:chgData name="André Costa" userId="19fc697903e1aad7" providerId="LiveId" clId="{F9384AFB-4292-4E89-B21C-57023ED737FD}" dt="2023-05-03T16:04:50.030" v="547" actId="20577"/>
+          <ac:chgData name="André Costa" userId="19fc697903e1aad7" providerId="LiveId" clId="{F9384AFB-4292-4E89-B21C-57023ED737FD}" dt="2023-05-19T15:34:09.169" v="993" actId="20577"/>
+          <ac:spMkLst>
+            <pc:docMk/>
+            <pc:sldMk cId="280006060" sldId="259"/>
+            <ac:spMk id="2" creationId="{A3E5AD32-2BF4-A76D-607F-3633BB430573}"/>
+          </ac:spMkLst>
+        </pc:spChg>
+        <pc:spChg chg="mod">
+          <ac:chgData name="André Costa" userId="19fc697903e1aad7" providerId="LiveId" clId="{F9384AFB-4292-4E89-B21C-57023ED737FD}" dt="2023-05-19T18:21:15.166" v="2280" actId="27636"/>
           <ac:spMkLst>
             <pc:docMk/>
             <pc:sldMk cId="280006060" sldId="259"/>
@@ -155,20 +213,722 @@
           </ac:spMkLst>
         </pc:spChg>
       </pc:sldChg>
-      <pc:sldChg chg="modSp mod">
-        <pc:chgData name="André Costa" userId="19fc697903e1aad7" providerId="LiveId" clId="{F9384AFB-4292-4E89-B21C-57023ED737FD}" dt="2023-05-03T16:07:10.943" v="596" actId="20577"/>
+      <pc:sldChg chg="addSp delSp modSp mod">
+        <pc:chgData name="André Costa" userId="19fc697903e1aad7" providerId="LiveId" clId="{F9384AFB-4292-4E89-B21C-57023ED737FD}" dt="2023-05-19T16:03:30.364" v="1756" actId="113"/>
         <pc:sldMkLst>
           <pc:docMk/>
           <pc:sldMk cId="2068101650" sldId="260"/>
         </pc:sldMkLst>
         <pc:spChg chg="mod">
-          <ac:chgData name="André Costa" userId="19fc697903e1aad7" providerId="LiveId" clId="{F9384AFB-4292-4E89-B21C-57023ED737FD}" dt="2023-05-03T16:07:10.943" v="596" actId="20577"/>
+          <ac:chgData name="André Costa" userId="19fc697903e1aad7" providerId="LiveId" clId="{F9384AFB-4292-4E89-B21C-57023ED737FD}" dt="2023-05-19T16:01:25.263" v="1676" actId="26606"/>
+          <ac:spMkLst>
+            <pc:docMk/>
+            <pc:sldMk cId="2068101650" sldId="260"/>
+            <ac:spMk id="2" creationId="{A3E5AD32-2BF4-A76D-607F-3633BB430573}"/>
+          </ac:spMkLst>
+        </pc:spChg>
+        <pc:spChg chg="mod">
+          <ac:chgData name="André Costa" userId="19fc697903e1aad7" providerId="LiveId" clId="{F9384AFB-4292-4E89-B21C-57023ED737FD}" dt="2023-05-19T16:03:30.364" v="1756" actId="113"/>
           <ac:spMkLst>
             <pc:docMk/>
             <pc:sldMk cId="2068101650" sldId="260"/>
             <ac:spMk id="3" creationId="{C9FF7FA9-CD0D-E0F8-F302-B0E747AF24A9}"/>
           </ac:spMkLst>
         </pc:spChg>
+        <pc:spChg chg="del">
+          <ac:chgData name="André Costa" userId="19fc697903e1aad7" providerId="LiveId" clId="{F9384AFB-4292-4E89-B21C-57023ED737FD}" dt="2023-05-19T16:01:25.263" v="1676" actId="26606"/>
+          <ac:spMkLst>
+            <pc:docMk/>
+            <pc:sldMk cId="2068101650" sldId="260"/>
+            <ac:spMk id="8" creationId="{B6CDA21F-E7AF-4C75-8395-33F58D5B0E45}"/>
+          </ac:spMkLst>
+        </pc:spChg>
+        <pc:spChg chg="del">
+          <ac:chgData name="André Costa" userId="19fc697903e1aad7" providerId="LiveId" clId="{F9384AFB-4292-4E89-B21C-57023ED737FD}" dt="2023-05-19T16:01:25.263" v="1676" actId="26606"/>
+          <ac:spMkLst>
+            <pc:docMk/>
+            <pc:sldMk cId="2068101650" sldId="260"/>
+            <ac:spMk id="15" creationId="{D5B0017B-2ECA-49AF-B397-DC140825DF8D}"/>
+          </ac:spMkLst>
+        </pc:spChg>
+        <pc:spChg chg="add mod">
+          <ac:chgData name="André Costa" userId="19fc697903e1aad7" providerId="LiveId" clId="{F9384AFB-4292-4E89-B21C-57023ED737FD}" dt="2023-05-19T16:02:25.483" v="1707" actId="1076"/>
+          <ac:spMkLst>
+            <pc:docMk/>
+            <pc:sldMk cId="2068101650" sldId="260"/>
+            <ac:spMk id="16" creationId="{E2CB179A-D512-7F06-5923-CC50915F3C3F}"/>
+          </ac:spMkLst>
+        </pc:spChg>
+        <pc:spChg chg="add mod">
+          <ac:chgData name="André Costa" userId="19fc697903e1aad7" providerId="LiveId" clId="{F9384AFB-4292-4E89-B21C-57023ED737FD}" dt="2023-05-19T16:02:47.026" v="1725" actId="20577"/>
+          <ac:spMkLst>
+            <pc:docMk/>
+            <pc:sldMk cId="2068101650" sldId="260"/>
+            <ac:spMk id="18" creationId="{BA82D5FB-11B7-A403-6412-D56257B8A670}"/>
+          </ac:spMkLst>
+        </pc:spChg>
+        <pc:spChg chg="add mod">
+          <ac:chgData name="André Costa" userId="19fc697903e1aad7" providerId="LiveId" clId="{F9384AFB-4292-4E89-B21C-57023ED737FD}" dt="2023-05-19T16:03:09.385" v="1745" actId="20577"/>
+          <ac:spMkLst>
+            <pc:docMk/>
+            <pc:sldMk cId="2068101650" sldId="260"/>
+            <ac:spMk id="19" creationId="{76B2C4E0-33F4-F62D-732F-35754112C420}"/>
+          </ac:spMkLst>
+        </pc:spChg>
+        <pc:spChg chg="add">
+          <ac:chgData name="André Costa" userId="19fc697903e1aad7" providerId="LiveId" clId="{F9384AFB-4292-4E89-B21C-57023ED737FD}" dt="2023-05-19T16:01:25.263" v="1676" actId="26606"/>
+          <ac:spMkLst>
+            <pc:docMk/>
+            <pc:sldMk cId="2068101650" sldId="260"/>
+            <ac:spMk id="22" creationId="{0550F5B9-399F-4FAD-AE6C-ED65F9A43A74}"/>
+          </ac:spMkLst>
+        </pc:spChg>
+        <pc:spChg chg="add">
+          <ac:chgData name="André Costa" userId="19fc697903e1aad7" providerId="LiveId" clId="{F9384AFB-4292-4E89-B21C-57023ED737FD}" dt="2023-05-19T16:01:25.263" v="1676" actId="26606"/>
+          <ac:spMkLst>
+            <pc:docMk/>
+            <pc:sldMk cId="2068101650" sldId="260"/>
+            <ac:spMk id="24" creationId="{C062E60F-5CD4-4268-8359-8076634680E5}"/>
+          </ac:spMkLst>
+        </pc:spChg>
+        <pc:spChg chg="add">
+          <ac:chgData name="André Costa" userId="19fc697903e1aad7" providerId="LiveId" clId="{F9384AFB-4292-4E89-B21C-57023ED737FD}" dt="2023-05-19T16:01:25.263" v="1676" actId="26606"/>
+          <ac:spMkLst>
+            <pc:docMk/>
+            <pc:sldMk cId="2068101650" sldId="260"/>
+            <ac:spMk id="26" creationId="{BB341EC3-1810-4D33-BA3F-E2D0AA0ECFB6}"/>
+          </ac:spMkLst>
+        </pc:spChg>
+        <pc:spChg chg="add">
+          <ac:chgData name="André Costa" userId="19fc697903e1aad7" providerId="LiveId" clId="{F9384AFB-4292-4E89-B21C-57023ED737FD}" dt="2023-05-19T16:01:25.263" v="1676" actId="26606"/>
+          <ac:spMkLst>
+            <pc:docMk/>
+            <pc:sldMk cId="2068101650" sldId="260"/>
+            <ac:spMk id="28" creationId="{10127CDE-2B99-47A8-BB3C-7D17519105E0}"/>
+          </ac:spMkLst>
+        </pc:spChg>
+        <pc:grpChg chg="del">
+          <ac:chgData name="André Costa" userId="19fc697903e1aad7" providerId="LiveId" clId="{F9384AFB-4292-4E89-B21C-57023ED737FD}" dt="2023-05-19T16:01:25.263" v="1676" actId="26606"/>
+          <ac:grpSpMkLst>
+            <pc:docMk/>
+            <pc:sldMk cId="2068101650" sldId="260"/>
+            <ac:grpSpMk id="10" creationId="{AE1C45F0-260A-458C-96ED-C1F6D2151219}"/>
+          </ac:grpSpMkLst>
+        </pc:grpChg>
+        <pc:picChg chg="add mod ord">
+          <ac:chgData name="André Costa" userId="19fc697903e1aad7" providerId="LiveId" clId="{F9384AFB-4292-4E89-B21C-57023ED737FD}" dt="2023-05-19T16:01:39.216" v="1678" actId="1076"/>
+          <ac:picMkLst>
+            <pc:docMk/>
+            <pc:sldMk cId="2068101650" sldId="260"/>
+            <ac:picMk id="5" creationId="{E4D46A7F-8879-B073-E3DC-955172E9FBA0}"/>
+          </ac:picMkLst>
+        </pc:picChg>
+        <pc:picChg chg="add mod">
+          <ac:chgData name="André Costa" userId="19fc697903e1aad7" providerId="LiveId" clId="{F9384AFB-4292-4E89-B21C-57023ED737FD}" dt="2023-05-19T16:01:25.263" v="1676" actId="26606"/>
+          <ac:picMkLst>
+            <pc:docMk/>
+            <pc:sldMk cId="2068101650" sldId="260"/>
+            <ac:picMk id="7" creationId="{D2CA0F5B-3ED2-D695-D3C2-4351EF786339}"/>
+          </ac:picMkLst>
+        </pc:picChg>
+        <pc:picChg chg="add mod">
+          <ac:chgData name="André Costa" userId="19fc697903e1aad7" providerId="LiveId" clId="{F9384AFB-4292-4E89-B21C-57023ED737FD}" dt="2023-05-19T16:01:43.293" v="1679" actId="1076"/>
+          <ac:picMkLst>
+            <pc:docMk/>
+            <pc:sldMk cId="2068101650" sldId="260"/>
+            <ac:picMk id="14" creationId="{226DE6D9-9F4E-E9ED-CEFF-A79F29633070}"/>
+          </ac:picMkLst>
+        </pc:picChg>
+        <pc:cxnChg chg="del">
+          <ac:chgData name="André Costa" userId="19fc697903e1aad7" providerId="LiveId" clId="{F9384AFB-4292-4E89-B21C-57023ED737FD}" dt="2023-05-19T16:01:25.263" v="1676" actId="26606"/>
+          <ac:cxnSpMkLst>
+            <pc:docMk/>
+            <pc:sldMk cId="2068101650" sldId="260"/>
+            <ac:cxnSpMk id="17" creationId="{6CF1BAF6-AD41-4082-B212-8A1F9A2E8779}"/>
+          </ac:cxnSpMkLst>
+        </pc:cxnChg>
+      </pc:sldChg>
+      <pc:sldChg chg="addSp delSp modSp add mod setBg delDesignElem">
+        <pc:chgData name="André Costa" userId="19fc697903e1aad7" providerId="LiveId" clId="{F9384AFB-4292-4E89-B21C-57023ED737FD}" dt="2023-05-19T17:06:46.637" v="1814" actId="1076"/>
+        <pc:sldMkLst>
+          <pc:docMk/>
+          <pc:sldMk cId="3295622502" sldId="261"/>
+        </pc:sldMkLst>
+        <pc:spChg chg="mod">
+          <ac:chgData name="André Costa" userId="19fc697903e1aad7" providerId="LiveId" clId="{F9384AFB-4292-4E89-B21C-57023ED737FD}" dt="2023-05-19T16:05:21.188" v="1784"/>
+          <ac:spMkLst>
+            <pc:docMk/>
+            <pc:sldMk cId="3295622502" sldId="261"/>
+            <ac:spMk id="3" creationId="{C9FF7FA9-CD0D-E0F8-F302-B0E747AF24A9}"/>
+          </ac:spMkLst>
+        </pc:spChg>
+        <pc:spChg chg="del">
+          <ac:chgData name="André Costa" userId="19fc697903e1aad7" providerId="LiveId" clId="{F9384AFB-4292-4E89-B21C-57023ED737FD}" dt="2023-05-19T16:03:37.514" v="1758"/>
+          <ac:spMkLst>
+            <pc:docMk/>
+            <pc:sldMk cId="3295622502" sldId="261"/>
+            <ac:spMk id="22" creationId="{0550F5B9-399F-4FAD-AE6C-ED65F9A43A74}"/>
+          </ac:spMkLst>
+        </pc:spChg>
+        <pc:spChg chg="del">
+          <ac:chgData name="André Costa" userId="19fc697903e1aad7" providerId="LiveId" clId="{F9384AFB-4292-4E89-B21C-57023ED737FD}" dt="2023-05-19T16:03:37.514" v="1758"/>
+          <ac:spMkLst>
+            <pc:docMk/>
+            <pc:sldMk cId="3295622502" sldId="261"/>
+            <ac:spMk id="24" creationId="{C062E60F-5CD4-4268-8359-8076634680E5}"/>
+          </ac:spMkLst>
+        </pc:spChg>
+        <pc:spChg chg="del">
+          <ac:chgData name="André Costa" userId="19fc697903e1aad7" providerId="LiveId" clId="{F9384AFB-4292-4E89-B21C-57023ED737FD}" dt="2023-05-19T16:03:37.514" v="1758"/>
+          <ac:spMkLst>
+            <pc:docMk/>
+            <pc:sldMk cId="3295622502" sldId="261"/>
+            <ac:spMk id="26" creationId="{BB341EC3-1810-4D33-BA3F-E2D0AA0ECFB6}"/>
+          </ac:spMkLst>
+        </pc:spChg>
+        <pc:spChg chg="del">
+          <ac:chgData name="André Costa" userId="19fc697903e1aad7" providerId="LiveId" clId="{F9384AFB-4292-4E89-B21C-57023ED737FD}" dt="2023-05-19T16:03:37.514" v="1758"/>
+          <ac:spMkLst>
+            <pc:docMk/>
+            <pc:sldMk cId="3295622502" sldId="261"/>
+            <ac:spMk id="28" creationId="{10127CDE-2B99-47A8-BB3C-7D17519105E0}"/>
+          </ac:spMkLst>
+        </pc:spChg>
+        <pc:picChg chg="del mod">
+          <ac:chgData name="André Costa" userId="19fc697903e1aad7" providerId="LiveId" clId="{F9384AFB-4292-4E89-B21C-57023ED737FD}" dt="2023-05-19T17:02:29.032" v="1798" actId="478"/>
+          <ac:picMkLst>
+            <pc:docMk/>
+            <pc:sldMk cId="3295622502" sldId="261"/>
+            <ac:picMk id="5" creationId="{E4D46A7F-8879-B073-E3DC-955172E9FBA0}"/>
+          </ac:picMkLst>
+        </pc:picChg>
+        <pc:picChg chg="add mod">
+          <ac:chgData name="André Costa" userId="19fc697903e1aad7" providerId="LiveId" clId="{F9384AFB-4292-4E89-B21C-57023ED737FD}" dt="2023-05-19T17:06:11.186" v="1810" actId="1076"/>
+          <ac:picMkLst>
+            <pc:docMk/>
+            <pc:sldMk cId="3295622502" sldId="261"/>
+            <ac:picMk id="6" creationId="{D32FEC26-59E8-875B-6FC8-DAC68B3F1EA9}"/>
+          </ac:picMkLst>
+        </pc:picChg>
+        <pc:picChg chg="del mod">
+          <ac:chgData name="André Costa" userId="19fc697903e1aad7" providerId="LiveId" clId="{F9384AFB-4292-4E89-B21C-57023ED737FD}" dt="2023-05-19T17:05:45.226" v="1804" actId="478"/>
+          <ac:picMkLst>
+            <pc:docMk/>
+            <pc:sldMk cId="3295622502" sldId="261"/>
+            <ac:picMk id="7" creationId="{D2CA0F5B-3ED2-D695-D3C2-4351EF786339}"/>
+          </ac:picMkLst>
+        </pc:picChg>
+        <pc:picChg chg="add mod">
+          <ac:chgData name="André Costa" userId="19fc697903e1aad7" providerId="LiveId" clId="{F9384AFB-4292-4E89-B21C-57023ED737FD}" dt="2023-05-19T17:06:00.439" v="1809" actId="14100"/>
+          <ac:picMkLst>
+            <pc:docMk/>
+            <pc:sldMk cId="3295622502" sldId="261"/>
+            <ac:picMk id="9" creationId="{A0D0DC3C-ED36-6404-37D8-5F6A6C840D8D}"/>
+          </ac:picMkLst>
+        </pc:picChg>
+        <pc:picChg chg="add mod">
+          <ac:chgData name="André Costa" userId="19fc697903e1aad7" providerId="LiveId" clId="{F9384AFB-4292-4E89-B21C-57023ED737FD}" dt="2023-05-19T17:06:46.637" v="1814" actId="1076"/>
+          <ac:picMkLst>
+            <pc:docMk/>
+            <pc:sldMk cId="3295622502" sldId="261"/>
+            <ac:picMk id="11" creationId="{EE372298-34F8-FD85-054E-A943F47A3BFD}"/>
+          </ac:picMkLst>
+        </pc:picChg>
+        <pc:picChg chg="del">
+          <ac:chgData name="André Costa" userId="19fc697903e1aad7" providerId="LiveId" clId="{F9384AFB-4292-4E89-B21C-57023ED737FD}" dt="2023-05-19T17:06:34.932" v="1811" actId="478"/>
+          <ac:picMkLst>
+            <pc:docMk/>
+            <pc:sldMk cId="3295622502" sldId="261"/>
+            <ac:picMk id="14" creationId="{226DE6D9-9F4E-E9ED-CEFF-A79F29633070}"/>
+          </ac:picMkLst>
+        </pc:picChg>
+      </pc:sldChg>
+      <pc:sldChg chg="addSp delSp modSp add mod setBg delDesignElem">
+        <pc:chgData name="André Costa" userId="19fc697903e1aad7" providerId="LiveId" clId="{F9384AFB-4292-4E89-B21C-57023ED737FD}" dt="2023-05-19T18:32:17.090" v="2722" actId="14100"/>
+        <pc:sldMkLst>
+          <pc:docMk/>
+          <pc:sldMk cId="3993840726" sldId="262"/>
+        </pc:sldMkLst>
+        <pc:spChg chg="mod">
+          <ac:chgData name="André Costa" userId="19fc697903e1aad7" providerId="LiveId" clId="{F9384AFB-4292-4E89-B21C-57023ED737FD}" dt="2023-05-19T18:32:17.090" v="2722" actId="14100"/>
+          <ac:spMkLst>
+            <pc:docMk/>
+            <pc:sldMk cId="3993840726" sldId="262"/>
+            <ac:spMk id="2" creationId="{A3E5AD32-2BF4-A76D-607F-3633BB430573}"/>
+          </ac:spMkLst>
+        </pc:spChg>
+        <pc:spChg chg="mod">
+          <ac:chgData name="André Costa" userId="19fc697903e1aad7" providerId="LiveId" clId="{F9384AFB-4292-4E89-B21C-57023ED737FD}" dt="2023-05-19T17:07:57.684" v="1846" actId="20577"/>
+          <ac:spMkLst>
+            <pc:docMk/>
+            <pc:sldMk cId="3993840726" sldId="262"/>
+            <ac:spMk id="3" creationId="{C9FF7FA9-CD0D-E0F8-F302-B0E747AF24A9}"/>
+          </ac:spMkLst>
+        </pc:spChg>
+        <pc:spChg chg="del">
+          <ac:chgData name="André Costa" userId="19fc697903e1aad7" providerId="LiveId" clId="{F9384AFB-4292-4E89-B21C-57023ED737FD}" dt="2023-05-19T16:03:40.330" v="1760"/>
+          <ac:spMkLst>
+            <pc:docMk/>
+            <pc:sldMk cId="3993840726" sldId="262"/>
+            <ac:spMk id="22" creationId="{0550F5B9-399F-4FAD-AE6C-ED65F9A43A74}"/>
+          </ac:spMkLst>
+        </pc:spChg>
+        <pc:spChg chg="del">
+          <ac:chgData name="André Costa" userId="19fc697903e1aad7" providerId="LiveId" clId="{F9384AFB-4292-4E89-B21C-57023ED737FD}" dt="2023-05-19T16:03:40.330" v="1760"/>
+          <ac:spMkLst>
+            <pc:docMk/>
+            <pc:sldMk cId="3993840726" sldId="262"/>
+            <ac:spMk id="24" creationId="{C062E60F-5CD4-4268-8359-8076634680E5}"/>
+          </ac:spMkLst>
+        </pc:spChg>
+        <pc:spChg chg="del">
+          <ac:chgData name="André Costa" userId="19fc697903e1aad7" providerId="LiveId" clId="{F9384AFB-4292-4E89-B21C-57023ED737FD}" dt="2023-05-19T16:03:40.330" v="1760"/>
+          <ac:spMkLst>
+            <pc:docMk/>
+            <pc:sldMk cId="3993840726" sldId="262"/>
+            <ac:spMk id="26" creationId="{BB341EC3-1810-4D33-BA3F-E2D0AA0ECFB6}"/>
+          </ac:spMkLst>
+        </pc:spChg>
+        <pc:spChg chg="del">
+          <ac:chgData name="André Costa" userId="19fc697903e1aad7" providerId="LiveId" clId="{F9384AFB-4292-4E89-B21C-57023ED737FD}" dt="2023-05-19T16:03:40.330" v="1760"/>
+          <ac:spMkLst>
+            <pc:docMk/>
+            <pc:sldMk cId="3993840726" sldId="262"/>
+            <ac:spMk id="28" creationId="{10127CDE-2B99-47A8-BB3C-7D17519105E0}"/>
+          </ac:spMkLst>
+        </pc:spChg>
+        <pc:picChg chg="del">
+          <ac:chgData name="André Costa" userId="19fc697903e1aad7" providerId="LiveId" clId="{F9384AFB-4292-4E89-B21C-57023ED737FD}" dt="2023-05-19T17:10:49.294" v="1847" actId="478"/>
+          <ac:picMkLst>
+            <pc:docMk/>
+            <pc:sldMk cId="3993840726" sldId="262"/>
+            <ac:picMk id="5" creationId="{E4D46A7F-8879-B073-E3DC-955172E9FBA0}"/>
+          </ac:picMkLst>
+        </pc:picChg>
+        <pc:picChg chg="add mod">
+          <ac:chgData name="André Costa" userId="19fc697903e1aad7" providerId="LiveId" clId="{F9384AFB-4292-4E89-B21C-57023ED737FD}" dt="2023-05-19T17:11:01.319" v="1852" actId="1076"/>
+          <ac:picMkLst>
+            <pc:docMk/>
+            <pc:sldMk cId="3993840726" sldId="262"/>
+            <ac:picMk id="6" creationId="{E88AB5DA-E5F5-80B8-56B2-B1723D037F71}"/>
+          </ac:picMkLst>
+        </pc:picChg>
+        <pc:picChg chg="del">
+          <ac:chgData name="André Costa" userId="19fc697903e1aad7" providerId="LiveId" clId="{F9384AFB-4292-4E89-B21C-57023ED737FD}" dt="2023-05-19T17:11:20.162" v="1853" actId="478"/>
+          <ac:picMkLst>
+            <pc:docMk/>
+            <pc:sldMk cId="3993840726" sldId="262"/>
+            <ac:picMk id="7" creationId="{D2CA0F5B-3ED2-D695-D3C2-4351EF786339}"/>
+          </ac:picMkLst>
+        </pc:picChg>
+        <pc:picChg chg="add mod">
+          <ac:chgData name="André Costa" userId="19fc697903e1aad7" providerId="LiveId" clId="{F9384AFB-4292-4E89-B21C-57023ED737FD}" dt="2023-05-19T17:11:57.555" v="1862" actId="1076"/>
+          <ac:picMkLst>
+            <pc:docMk/>
+            <pc:sldMk cId="3993840726" sldId="262"/>
+            <ac:picMk id="9" creationId="{49FD35D5-F24F-3552-87F7-9F5189A50C7A}"/>
+          </ac:picMkLst>
+        </pc:picChg>
+        <pc:picChg chg="add mod">
+          <ac:chgData name="André Costa" userId="19fc697903e1aad7" providerId="LiveId" clId="{F9384AFB-4292-4E89-B21C-57023ED737FD}" dt="2023-05-19T17:12:33.540" v="1868" actId="1076"/>
+          <ac:picMkLst>
+            <pc:docMk/>
+            <pc:sldMk cId="3993840726" sldId="262"/>
+            <ac:picMk id="11" creationId="{287FAA8F-62B6-C44A-9B60-F356378D0B98}"/>
+          </ac:picMkLst>
+        </pc:picChg>
+        <pc:picChg chg="del">
+          <ac:chgData name="André Costa" userId="19fc697903e1aad7" providerId="LiveId" clId="{F9384AFB-4292-4E89-B21C-57023ED737FD}" dt="2023-05-19T17:12:18.447" v="1863" actId="478"/>
+          <ac:picMkLst>
+            <pc:docMk/>
+            <pc:sldMk cId="3993840726" sldId="262"/>
+            <ac:picMk id="14" creationId="{226DE6D9-9F4E-E9ED-CEFF-A79F29633070}"/>
+          </ac:picMkLst>
+        </pc:picChg>
+      </pc:sldChg>
+      <pc:sldChg chg="addSp delSp add del setBg delDesignElem">
+        <pc:chgData name="André Costa" userId="19fc697903e1aad7" providerId="LiveId" clId="{F9384AFB-4292-4E89-B21C-57023ED737FD}" dt="2023-05-19T17:44:33.996" v="1994"/>
+        <pc:sldMkLst>
+          <pc:docMk/>
+          <pc:sldMk cId="325349677" sldId="263"/>
+        </pc:sldMkLst>
+        <pc:spChg chg="add del">
+          <ac:chgData name="André Costa" userId="19fc697903e1aad7" providerId="LiveId" clId="{F9384AFB-4292-4E89-B21C-57023ED737FD}" dt="2023-05-19T17:44:33.996" v="1994"/>
+          <ac:spMkLst>
+            <pc:docMk/>
+            <pc:sldMk cId="325349677" sldId="263"/>
+            <ac:spMk id="27" creationId="{B6CDA21F-E7AF-4C75-8395-33F58D5B0E45}"/>
+          </ac:spMkLst>
+        </pc:spChg>
+        <pc:spChg chg="add del">
+          <ac:chgData name="André Costa" userId="19fc697903e1aad7" providerId="LiveId" clId="{F9384AFB-4292-4E89-B21C-57023ED737FD}" dt="2023-05-19T17:44:33.996" v="1994"/>
+          <ac:spMkLst>
+            <pc:docMk/>
+            <pc:sldMk cId="325349677" sldId="263"/>
+            <ac:spMk id="28" creationId="{D5B0017B-2ECA-49AF-B397-DC140825DF8D}"/>
+          </ac:spMkLst>
+        </pc:spChg>
+        <pc:grpChg chg="add del">
+          <ac:chgData name="André Costa" userId="19fc697903e1aad7" providerId="LiveId" clId="{F9384AFB-4292-4E89-B21C-57023ED737FD}" dt="2023-05-19T17:44:33.996" v="1994"/>
+          <ac:grpSpMkLst>
+            <pc:docMk/>
+            <pc:sldMk cId="325349677" sldId="263"/>
+            <ac:grpSpMk id="29" creationId="{AE1C45F0-260A-458C-96ED-C1F6D2151219}"/>
+          </ac:grpSpMkLst>
+        </pc:grpChg>
+        <pc:cxnChg chg="add del">
+          <ac:chgData name="André Costa" userId="19fc697903e1aad7" providerId="LiveId" clId="{F9384AFB-4292-4E89-B21C-57023ED737FD}" dt="2023-05-19T17:44:33.996" v="1994"/>
+          <ac:cxnSpMkLst>
+            <pc:docMk/>
+            <pc:sldMk cId="325349677" sldId="263"/>
+            <ac:cxnSpMk id="30" creationId="{6CF1BAF6-AD41-4082-B212-8A1F9A2E8779}"/>
+          </ac:cxnSpMkLst>
+        </pc:cxnChg>
+      </pc:sldChg>
+      <pc:sldChg chg="addSp delSp add del setBg delDesignElem">
+        <pc:chgData name="André Costa" userId="19fc697903e1aad7" providerId="LiveId" clId="{F9384AFB-4292-4E89-B21C-57023ED737FD}" dt="2023-05-19T17:44:28.809" v="1991"/>
+        <pc:sldMkLst>
+          <pc:docMk/>
+          <pc:sldMk cId="673158794" sldId="263"/>
+        </pc:sldMkLst>
+        <pc:spChg chg="add del">
+          <ac:chgData name="André Costa" userId="19fc697903e1aad7" providerId="LiveId" clId="{F9384AFB-4292-4E89-B21C-57023ED737FD}" dt="2023-05-19T17:44:28.809" v="1991"/>
+          <ac:spMkLst>
+            <pc:docMk/>
+            <pc:sldMk cId="673158794" sldId="263"/>
+            <ac:spMk id="27" creationId="{B6CDA21F-E7AF-4C75-8395-33F58D5B0E45}"/>
+          </ac:spMkLst>
+        </pc:spChg>
+        <pc:spChg chg="add del">
+          <ac:chgData name="André Costa" userId="19fc697903e1aad7" providerId="LiveId" clId="{F9384AFB-4292-4E89-B21C-57023ED737FD}" dt="2023-05-19T17:44:28.809" v="1991"/>
+          <ac:spMkLst>
+            <pc:docMk/>
+            <pc:sldMk cId="673158794" sldId="263"/>
+            <ac:spMk id="28" creationId="{D5B0017B-2ECA-49AF-B397-DC140825DF8D}"/>
+          </ac:spMkLst>
+        </pc:spChg>
+        <pc:grpChg chg="add del">
+          <ac:chgData name="André Costa" userId="19fc697903e1aad7" providerId="LiveId" clId="{F9384AFB-4292-4E89-B21C-57023ED737FD}" dt="2023-05-19T17:44:28.809" v="1991"/>
+          <ac:grpSpMkLst>
+            <pc:docMk/>
+            <pc:sldMk cId="673158794" sldId="263"/>
+            <ac:grpSpMk id="29" creationId="{AE1C45F0-260A-458C-96ED-C1F6D2151219}"/>
+          </ac:grpSpMkLst>
+        </pc:grpChg>
+        <pc:cxnChg chg="add del">
+          <ac:chgData name="André Costa" userId="19fc697903e1aad7" providerId="LiveId" clId="{F9384AFB-4292-4E89-B21C-57023ED737FD}" dt="2023-05-19T17:44:28.809" v="1991"/>
+          <ac:cxnSpMkLst>
+            <pc:docMk/>
+            <pc:sldMk cId="673158794" sldId="263"/>
+            <ac:cxnSpMk id="30" creationId="{6CF1BAF6-AD41-4082-B212-8A1F9A2E8779}"/>
+          </ac:cxnSpMkLst>
+        </pc:cxnChg>
+      </pc:sldChg>
+      <pc:sldChg chg="addSp delSp modSp add del mod">
+        <pc:chgData name="André Costa" userId="19fc697903e1aad7" providerId="LiveId" clId="{F9384AFB-4292-4E89-B21C-57023ED737FD}" dt="2023-05-19T17:44:23.026" v="1987" actId="47"/>
+        <pc:sldMkLst>
+          <pc:docMk/>
+          <pc:sldMk cId="2273946752" sldId="263"/>
+        </pc:sldMkLst>
+        <pc:spChg chg="mod">
+          <ac:chgData name="André Costa" userId="19fc697903e1aad7" providerId="LiveId" clId="{F9384AFB-4292-4E89-B21C-57023ED737FD}" dt="2023-05-19T17:43:17.684" v="1974" actId="27636"/>
+          <ac:spMkLst>
+            <pc:docMk/>
+            <pc:sldMk cId="2273946752" sldId="263"/>
+            <ac:spMk id="3" creationId="{C9FF7FA9-CD0D-E0F8-F302-B0E747AF24A9}"/>
+          </ac:spMkLst>
+        </pc:spChg>
+        <pc:spChg chg="del">
+          <ac:chgData name="André Costa" userId="19fc697903e1aad7" providerId="LiveId" clId="{F9384AFB-4292-4E89-B21C-57023ED737FD}" dt="2023-05-19T17:42:49.724" v="1883" actId="478"/>
+          <ac:spMkLst>
+            <pc:docMk/>
+            <pc:sldMk cId="2273946752" sldId="263"/>
+            <ac:spMk id="16" creationId="{E2CB179A-D512-7F06-5923-CC50915F3C3F}"/>
+          </ac:spMkLst>
+        </pc:spChg>
+        <pc:spChg chg="del">
+          <ac:chgData name="André Costa" userId="19fc697903e1aad7" providerId="LiveId" clId="{F9384AFB-4292-4E89-B21C-57023ED737FD}" dt="2023-05-19T17:42:53.033" v="1884" actId="478"/>
+          <ac:spMkLst>
+            <pc:docMk/>
+            <pc:sldMk cId="2273946752" sldId="263"/>
+            <ac:spMk id="18" creationId="{BA82D5FB-11B7-A403-6412-D56257B8A670}"/>
+          </ac:spMkLst>
+        </pc:spChg>
+        <pc:spChg chg="del">
+          <ac:chgData name="André Costa" userId="19fc697903e1aad7" providerId="LiveId" clId="{F9384AFB-4292-4E89-B21C-57023ED737FD}" dt="2023-05-19T17:42:57.783" v="1887" actId="478"/>
+          <ac:spMkLst>
+            <pc:docMk/>
+            <pc:sldMk cId="2273946752" sldId="263"/>
+            <ac:spMk id="19" creationId="{76B2C4E0-33F4-F62D-732F-35754112C420}"/>
+          </ac:spMkLst>
+        </pc:spChg>
+        <pc:picChg chg="add mod">
+          <ac:chgData name="André Costa" userId="19fc697903e1aad7" providerId="LiveId" clId="{F9384AFB-4292-4E89-B21C-57023ED737FD}" dt="2023-05-19T17:43:37.483" v="1979" actId="1076"/>
+          <ac:picMkLst>
+            <pc:docMk/>
+            <pc:sldMk cId="2273946752" sldId="263"/>
+            <ac:picMk id="5" creationId="{DD5A37C8-F41D-0AF4-2C64-616DE9B3919D}"/>
+          </ac:picMkLst>
+        </pc:picChg>
+        <pc:picChg chg="del">
+          <ac:chgData name="André Costa" userId="19fc697903e1aad7" providerId="LiveId" clId="{F9384AFB-4292-4E89-B21C-57023ED737FD}" dt="2023-05-19T17:42:53.887" v="1885" actId="478"/>
+          <ac:picMkLst>
+            <pc:docMk/>
+            <pc:sldMk cId="2273946752" sldId="263"/>
+            <ac:picMk id="6" creationId="{E88AB5DA-E5F5-80B8-56B2-B1723D037F71}"/>
+          </ac:picMkLst>
+        </pc:picChg>
+        <pc:picChg chg="del">
+          <ac:chgData name="André Costa" userId="19fc697903e1aad7" providerId="LiveId" clId="{F9384AFB-4292-4E89-B21C-57023ED737FD}" dt="2023-05-19T17:42:48.493" v="1882" actId="478"/>
+          <ac:picMkLst>
+            <pc:docMk/>
+            <pc:sldMk cId="2273946752" sldId="263"/>
+            <ac:picMk id="9" creationId="{49FD35D5-F24F-3552-87F7-9F5189A50C7A}"/>
+          </ac:picMkLst>
+        </pc:picChg>
+        <pc:picChg chg="del">
+          <ac:chgData name="André Costa" userId="19fc697903e1aad7" providerId="LiveId" clId="{F9384AFB-4292-4E89-B21C-57023ED737FD}" dt="2023-05-19T17:42:54.959" v="1886" actId="478"/>
+          <ac:picMkLst>
+            <pc:docMk/>
+            <pc:sldMk cId="2273946752" sldId="263"/>
+            <ac:picMk id="11" creationId="{287FAA8F-62B6-C44A-9B60-F356378D0B98}"/>
+          </ac:picMkLst>
+        </pc:picChg>
+      </pc:sldChg>
+      <pc:sldChg chg="addSp delSp modSp add mod ord">
+        <pc:chgData name="André Costa" userId="19fc697903e1aad7" providerId="LiveId" clId="{F9384AFB-4292-4E89-B21C-57023ED737FD}" dt="2023-05-19T18:09:56.292" v="2240" actId="22"/>
+        <pc:sldMkLst>
+          <pc:docMk/>
+          <pc:sldMk cId="2390206607" sldId="263"/>
+        </pc:sldMkLst>
+        <pc:spChg chg="mod">
+          <ac:chgData name="André Costa" userId="19fc697903e1aad7" providerId="LiveId" clId="{F9384AFB-4292-4E89-B21C-57023ED737FD}" dt="2023-05-19T17:44:59.721" v="2003" actId="404"/>
+          <ac:spMkLst>
+            <pc:docMk/>
+            <pc:sldMk cId="2390206607" sldId="263"/>
+            <ac:spMk id="2" creationId="{A3E5AD32-2BF4-A76D-607F-3633BB430573}"/>
+          </ac:spMkLst>
+        </pc:spChg>
+        <pc:spChg chg="mod">
+          <ac:chgData name="André Costa" userId="19fc697903e1aad7" providerId="LiveId" clId="{F9384AFB-4292-4E89-B21C-57023ED737FD}" dt="2023-05-19T17:47:56.145" v="2178" actId="20577"/>
+          <ac:spMkLst>
+            <pc:docMk/>
+            <pc:sldMk cId="2390206607" sldId="263"/>
+            <ac:spMk id="3" creationId="{C9FF7FA9-CD0D-E0F8-F302-B0E747AF24A9}"/>
+          </ac:spMkLst>
+        </pc:spChg>
+        <pc:picChg chg="add del mod">
+          <ac:chgData name="André Costa" userId="19fc697903e1aad7" providerId="LiveId" clId="{F9384AFB-4292-4E89-B21C-57023ED737FD}" dt="2023-05-19T18:04:39.779" v="2205" actId="478"/>
+          <ac:picMkLst>
+            <pc:docMk/>
+            <pc:sldMk cId="2390206607" sldId="263"/>
+            <ac:picMk id="5" creationId="{C807B7DD-9242-82EA-F575-9AFA21A444D0}"/>
+          </ac:picMkLst>
+        </pc:picChg>
+        <pc:picChg chg="add del mod">
+          <ac:chgData name="André Costa" userId="19fc697903e1aad7" providerId="LiveId" clId="{F9384AFB-4292-4E89-B21C-57023ED737FD}" dt="2023-05-19T18:07:01.321" v="2215" actId="478"/>
+          <ac:picMkLst>
+            <pc:docMk/>
+            <pc:sldMk cId="2390206607" sldId="263"/>
+            <ac:picMk id="7" creationId="{D172CA14-4AE6-C0E6-2079-8CEBB66FBE80}"/>
+          </ac:picMkLst>
+        </pc:picChg>
+        <pc:picChg chg="add mod">
+          <ac:chgData name="André Costa" userId="19fc697903e1aad7" providerId="LiveId" clId="{F9384AFB-4292-4E89-B21C-57023ED737FD}" dt="2023-05-19T18:09:31.807" v="2238" actId="1036"/>
+          <ac:picMkLst>
+            <pc:docMk/>
+            <pc:sldMk cId="2390206607" sldId="263"/>
+            <ac:picMk id="14" creationId="{48DE23D3-E44D-42EA-7E15-ACF3AEDA5986}"/>
+          </ac:picMkLst>
+        </pc:picChg>
+        <pc:picChg chg="add mod">
+          <ac:chgData name="André Costa" userId="19fc697903e1aad7" providerId="LiveId" clId="{F9384AFB-4292-4E89-B21C-57023ED737FD}" dt="2023-05-19T18:09:29.713" v="2236" actId="1036"/>
+          <ac:picMkLst>
+            <pc:docMk/>
+            <pc:sldMk cId="2390206607" sldId="263"/>
+            <ac:picMk id="18" creationId="{EECFEB1B-FF0F-E1ED-D4ED-20732153085E}"/>
+          </ac:picMkLst>
+        </pc:picChg>
+        <pc:picChg chg="add mod">
+          <ac:chgData name="André Costa" userId="19fc697903e1aad7" providerId="LiveId" clId="{F9384AFB-4292-4E89-B21C-57023ED737FD}" dt="2023-05-19T18:09:26.849" v="2234" actId="1036"/>
+          <ac:picMkLst>
+            <pc:docMk/>
+            <pc:sldMk cId="2390206607" sldId="263"/>
+            <ac:picMk id="20" creationId="{C7BC8A6A-CCD5-F84A-D944-37C8B6E9F926}"/>
+          </ac:picMkLst>
+        </pc:picChg>
+        <pc:picChg chg="add del">
+          <ac:chgData name="André Costa" userId="19fc697903e1aad7" providerId="LiveId" clId="{F9384AFB-4292-4E89-B21C-57023ED737FD}" dt="2023-05-19T18:09:56.292" v="2240" actId="22"/>
+          <ac:picMkLst>
+            <pc:docMk/>
+            <pc:sldMk cId="2390206607" sldId="263"/>
+            <ac:picMk id="22" creationId="{7C3900DC-5DDA-82FF-4DBB-5B556C5D6144}"/>
+          </ac:picMkLst>
+        </pc:picChg>
+      </pc:sldChg>
+      <pc:sldChg chg="delSp add del ord setBg delDesignElem">
+        <pc:chgData name="André Costa" userId="19fc697903e1aad7" providerId="LiveId" clId="{F9384AFB-4292-4E89-B21C-57023ED737FD}" dt="2023-05-19T17:12:41.416" v="1869" actId="47"/>
+        <pc:sldMkLst>
+          <pc:docMk/>
+          <pc:sldMk cId="2485818614" sldId="263"/>
+        </pc:sldMkLst>
+        <pc:spChg chg="del">
+          <ac:chgData name="André Costa" userId="19fc697903e1aad7" providerId="LiveId" clId="{F9384AFB-4292-4E89-B21C-57023ED737FD}" dt="2023-05-19T16:03:41.393" v="1762"/>
+          <ac:spMkLst>
+            <pc:docMk/>
+            <pc:sldMk cId="2485818614" sldId="263"/>
+            <ac:spMk id="22" creationId="{0550F5B9-399F-4FAD-AE6C-ED65F9A43A74}"/>
+          </ac:spMkLst>
+        </pc:spChg>
+        <pc:spChg chg="del">
+          <ac:chgData name="André Costa" userId="19fc697903e1aad7" providerId="LiveId" clId="{F9384AFB-4292-4E89-B21C-57023ED737FD}" dt="2023-05-19T16:03:41.393" v="1762"/>
+          <ac:spMkLst>
+            <pc:docMk/>
+            <pc:sldMk cId="2485818614" sldId="263"/>
+            <ac:spMk id="24" creationId="{C062E60F-5CD4-4268-8359-8076634680E5}"/>
+          </ac:spMkLst>
+        </pc:spChg>
+        <pc:spChg chg="del">
+          <ac:chgData name="André Costa" userId="19fc697903e1aad7" providerId="LiveId" clId="{F9384AFB-4292-4E89-B21C-57023ED737FD}" dt="2023-05-19T16:03:41.393" v="1762"/>
+          <ac:spMkLst>
+            <pc:docMk/>
+            <pc:sldMk cId="2485818614" sldId="263"/>
+            <ac:spMk id="26" creationId="{BB341EC3-1810-4D33-BA3F-E2D0AA0ECFB6}"/>
+          </ac:spMkLst>
+        </pc:spChg>
+        <pc:spChg chg="del">
+          <ac:chgData name="André Costa" userId="19fc697903e1aad7" providerId="LiveId" clId="{F9384AFB-4292-4E89-B21C-57023ED737FD}" dt="2023-05-19T16:03:41.393" v="1762"/>
+          <ac:spMkLst>
+            <pc:docMk/>
+            <pc:sldMk cId="2485818614" sldId="263"/>
+            <ac:spMk id="28" creationId="{10127CDE-2B99-47A8-BB3C-7D17519105E0}"/>
+          </ac:spMkLst>
+        </pc:spChg>
+      </pc:sldChg>
+      <pc:sldChg chg="add del">
+        <pc:chgData name="André Costa" userId="19fc697903e1aad7" providerId="LiveId" clId="{F9384AFB-4292-4E89-B21C-57023ED737FD}" dt="2023-05-19T17:43:21.473" v="1976"/>
+        <pc:sldMkLst>
+          <pc:docMk/>
+          <pc:sldMk cId="688986090" sldId="264"/>
+        </pc:sldMkLst>
+      </pc:sldChg>
+      <pc:sldChg chg="addSp delSp modSp add mod">
+        <pc:chgData name="André Costa" userId="19fc697903e1aad7" providerId="LiveId" clId="{F9384AFB-4292-4E89-B21C-57023ED737FD}" dt="2023-05-19T18:31:33.416" v="2717" actId="1036"/>
+        <pc:sldMkLst>
+          <pc:docMk/>
+          <pc:sldMk cId="1684149013" sldId="264"/>
+        </pc:sldMkLst>
+        <pc:spChg chg="mod">
+          <ac:chgData name="André Costa" userId="19fc697903e1aad7" providerId="LiveId" clId="{F9384AFB-4292-4E89-B21C-57023ED737FD}" dt="2023-05-19T18:10:10.840" v="2252" actId="20577"/>
+          <ac:spMkLst>
+            <pc:docMk/>
+            <pc:sldMk cId="1684149013" sldId="264"/>
+            <ac:spMk id="2" creationId="{A3E5AD32-2BF4-A76D-607F-3633BB430573}"/>
+          </ac:spMkLst>
+        </pc:spChg>
+        <pc:spChg chg="del mod">
+          <ac:chgData name="André Costa" userId="19fc697903e1aad7" providerId="LiveId" clId="{F9384AFB-4292-4E89-B21C-57023ED737FD}" dt="2023-05-19T18:20:41.376" v="2270" actId="478"/>
+          <ac:spMkLst>
+            <pc:docMk/>
+            <pc:sldMk cId="1684149013" sldId="264"/>
+            <ac:spMk id="3" creationId="{C9FF7FA9-CD0D-E0F8-F302-B0E747AF24A9}"/>
+          </ac:spMkLst>
+        </pc:spChg>
+        <pc:spChg chg="add del mod">
+          <ac:chgData name="André Costa" userId="19fc697903e1aad7" providerId="LiveId" clId="{F9384AFB-4292-4E89-B21C-57023ED737FD}" dt="2023-05-19T18:31:33.416" v="2717" actId="1036"/>
+          <ac:spMkLst>
+            <pc:docMk/>
+            <pc:sldMk cId="1684149013" sldId="264"/>
+            <ac:spMk id="5" creationId="{132D5312-B318-FCCF-F0B0-ED31E56D2BCC}"/>
+          </ac:spMkLst>
+        </pc:spChg>
+        <pc:graphicFrameChg chg="add del mod">
+          <ac:chgData name="André Costa" userId="19fc697903e1aad7" providerId="LiveId" clId="{F9384AFB-4292-4E89-B21C-57023ED737FD}" dt="2023-05-19T18:27:44.088" v="2569" actId="12084"/>
+          <ac:graphicFrameMkLst>
+            <pc:docMk/>
+            <pc:sldMk cId="1684149013" sldId="264"/>
+            <ac:graphicFrameMk id="6" creationId="{0E5B460C-24FD-BD86-D25F-D86F22E4EBE2}"/>
+          </ac:graphicFrameMkLst>
+        </pc:graphicFrameChg>
+        <pc:picChg chg="del">
+          <ac:chgData name="André Costa" userId="19fc697903e1aad7" providerId="LiveId" clId="{F9384AFB-4292-4E89-B21C-57023ED737FD}" dt="2023-05-19T18:10:16.682" v="2255" actId="478"/>
+          <ac:picMkLst>
+            <pc:docMk/>
+            <pc:sldMk cId="1684149013" sldId="264"/>
+            <ac:picMk id="14" creationId="{48DE23D3-E44D-42EA-7E15-ACF3AEDA5986}"/>
+          </ac:picMkLst>
+        </pc:picChg>
+        <pc:picChg chg="del">
+          <ac:chgData name="André Costa" userId="19fc697903e1aad7" providerId="LiveId" clId="{F9384AFB-4292-4E89-B21C-57023ED737FD}" dt="2023-05-19T18:10:15.802" v="2254" actId="478"/>
+          <ac:picMkLst>
+            <pc:docMk/>
+            <pc:sldMk cId="1684149013" sldId="264"/>
+            <ac:picMk id="18" creationId="{EECFEB1B-FF0F-E1ED-D4ED-20732153085E}"/>
+          </ac:picMkLst>
+        </pc:picChg>
+        <pc:picChg chg="del">
+          <ac:chgData name="André Costa" userId="19fc697903e1aad7" providerId="LiveId" clId="{F9384AFB-4292-4E89-B21C-57023ED737FD}" dt="2023-05-19T18:10:13.530" v="2253" actId="478"/>
+          <ac:picMkLst>
+            <pc:docMk/>
+            <pc:sldMk cId="1684149013" sldId="264"/>
+            <ac:picMk id="20" creationId="{C7BC8A6A-CCD5-F84A-D944-37C8B6E9F926}"/>
+          </ac:picMkLst>
+        </pc:picChg>
+      </pc:sldChg>
+      <pc:sldChg chg="delSp modSp add del mod setBg delDesignElem">
+        <pc:chgData name="André Costa" userId="19fc697903e1aad7" providerId="LiveId" clId="{F9384AFB-4292-4E89-B21C-57023ED737FD}" dt="2023-05-19T17:44:25.329" v="1988" actId="47"/>
+        <pc:sldMkLst>
+          <pc:docMk/>
+          <pc:sldMk cId="4214538406" sldId="264"/>
+        </pc:sldMkLst>
+        <pc:spChg chg="mod">
+          <ac:chgData name="André Costa" userId="19fc697903e1aad7" providerId="LiveId" clId="{F9384AFB-4292-4E89-B21C-57023ED737FD}" dt="2023-05-19T17:44:01.399" v="1985" actId="404"/>
+          <ac:spMkLst>
+            <pc:docMk/>
+            <pc:sldMk cId="4214538406" sldId="264"/>
+            <ac:spMk id="2" creationId="{A3E5AD32-2BF4-A76D-607F-3633BB430573}"/>
+          </ac:spMkLst>
+        </pc:spChg>
+        <pc:spChg chg="mod">
+          <ac:chgData name="André Costa" userId="19fc697903e1aad7" providerId="LiveId" clId="{F9384AFB-4292-4E89-B21C-57023ED737FD}" dt="2023-05-19T17:44:14.440" v="1986"/>
+          <ac:spMkLst>
+            <pc:docMk/>
+            <pc:sldMk cId="4214538406" sldId="264"/>
+            <ac:spMk id="3" creationId="{C9FF7FA9-CD0D-E0F8-F302-B0E747AF24A9}"/>
+          </ac:spMkLst>
+        </pc:spChg>
+        <pc:spChg chg="del">
+          <ac:chgData name="André Costa" userId="19fc697903e1aad7" providerId="LiveId" clId="{F9384AFB-4292-4E89-B21C-57023ED737FD}" dt="2023-05-19T17:43:48.520" v="1981"/>
+          <ac:spMkLst>
+            <pc:docMk/>
+            <pc:sldMk cId="4214538406" sldId="264"/>
+            <ac:spMk id="8" creationId="{B6CDA21F-E7AF-4C75-8395-33F58D5B0E45}"/>
+          </ac:spMkLst>
+        </pc:spChg>
+        <pc:spChg chg="del">
+          <ac:chgData name="André Costa" userId="19fc697903e1aad7" providerId="LiveId" clId="{F9384AFB-4292-4E89-B21C-57023ED737FD}" dt="2023-05-19T17:43:48.520" v="1981"/>
+          <ac:spMkLst>
+            <pc:docMk/>
+            <pc:sldMk cId="4214538406" sldId="264"/>
+            <ac:spMk id="15" creationId="{D5B0017B-2ECA-49AF-B397-DC140825DF8D}"/>
+          </ac:spMkLst>
+        </pc:spChg>
+        <pc:grpChg chg="del">
+          <ac:chgData name="André Costa" userId="19fc697903e1aad7" providerId="LiveId" clId="{F9384AFB-4292-4E89-B21C-57023ED737FD}" dt="2023-05-19T17:43:48.520" v="1981"/>
+          <ac:grpSpMkLst>
+            <pc:docMk/>
+            <pc:sldMk cId="4214538406" sldId="264"/>
+            <ac:grpSpMk id="10" creationId="{AE1C45F0-260A-458C-96ED-C1F6D2151219}"/>
+          </ac:grpSpMkLst>
+        </pc:grpChg>
+        <pc:cxnChg chg="del">
+          <ac:chgData name="André Costa" userId="19fc697903e1aad7" providerId="LiveId" clId="{F9384AFB-4292-4E89-B21C-57023ED737FD}" dt="2023-05-19T17:43:48.520" v="1981"/>
+          <ac:cxnSpMkLst>
+            <pc:docMk/>
+            <pc:sldMk cId="4214538406" sldId="264"/>
+            <ac:cxnSpMk id="17" creationId="{6CF1BAF6-AD41-4082-B212-8A1F9A2E8779}"/>
+          </ac:cxnSpMkLst>
+        </pc:cxnChg>
       </pc:sldChg>
     </pc:docChg>
   </pc:docChgLst>
@@ -322,7 +1082,7 @@
           <a:p>
             <a:fld id="{6B0EF491-B434-477E-862B-117F5FDA35FB}" type="datetimeFigureOut">
               <a:rPr lang="en-US" smtClean="0"/>
-              <a:t>5/3/2023</a:t>
+              <a:t>5/19/2023</a:t>
             </a:fld>
             <a:endParaRPr lang="en-US"/>
           </a:p>
@@ -520,7 +1280,7 @@
           <a:p>
             <a:fld id="{6B0EF491-B434-477E-862B-117F5FDA35FB}" type="datetimeFigureOut">
               <a:rPr lang="en-US" smtClean="0"/>
-              <a:t>5/3/2023</a:t>
+              <a:t>5/19/2023</a:t>
             </a:fld>
             <a:endParaRPr lang="en-US"/>
           </a:p>
@@ -728,7 +1488,7 @@
           <a:p>
             <a:fld id="{6B0EF491-B434-477E-862B-117F5FDA35FB}" type="datetimeFigureOut">
               <a:rPr lang="en-US" smtClean="0"/>
-              <a:t>5/3/2023</a:t>
+              <a:t>5/19/2023</a:t>
             </a:fld>
             <a:endParaRPr lang="en-US"/>
           </a:p>
@@ -926,7 +1686,7 @@
           <a:p>
             <a:fld id="{6B0EF491-B434-477E-862B-117F5FDA35FB}" type="datetimeFigureOut">
               <a:rPr lang="en-US" smtClean="0"/>
-              <a:t>5/3/2023</a:t>
+              <a:t>5/19/2023</a:t>
             </a:fld>
             <a:endParaRPr lang="en-US"/>
           </a:p>
@@ -1201,7 +1961,7 @@
           <a:p>
             <a:fld id="{6B0EF491-B434-477E-862B-117F5FDA35FB}" type="datetimeFigureOut">
               <a:rPr lang="en-US" smtClean="0"/>
-              <a:t>5/3/2023</a:t>
+              <a:t>5/19/2023</a:t>
             </a:fld>
             <a:endParaRPr lang="en-US"/>
           </a:p>
@@ -1466,7 +2226,7 @@
           <a:p>
             <a:fld id="{6B0EF491-B434-477E-862B-117F5FDA35FB}" type="datetimeFigureOut">
               <a:rPr lang="en-US" smtClean="0"/>
-              <a:t>5/3/2023</a:t>
+              <a:t>5/19/2023</a:t>
             </a:fld>
             <a:endParaRPr lang="en-US"/>
           </a:p>
@@ -1878,7 +2638,7 @@
           <a:p>
             <a:fld id="{6B0EF491-B434-477E-862B-117F5FDA35FB}" type="datetimeFigureOut">
               <a:rPr lang="en-US" smtClean="0"/>
-              <a:t>5/3/2023</a:t>
+              <a:t>5/19/2023</a:t>
             </a:fld>
             <a:endParaRPr lang="en-US"/>
           </a:p>
@@ -2019,7 +2779,7 @@
           <a:p>
             <a:fld id="{6B0EF491-B434-477E-862B-117F5FDA35FB}" type="datetimeFigureOut">
               <a:rPr lang="en-US" smtClean="0"/>
-              <a:t>5/3/2023</a:t>
+              <a:t>5/19/2023</a:t>
             </a:fld>
             <a:endParaRPr lang="en-US"/>
           </a:p>
@@ -2132,7 +2892,7 @@
           <a:p>
             <a:fld id="{6B0EF491-B434-477E-862B-117F5FDA35FB}" type="datetimeFigureOut">
               <a:rPr lang="en-US" smtClean="0"/>
-              <a:t>5/3/2023</a:t>
+              <a:t>5/19/2023</a:t>
             </a:fld>
             <a:endParaRPr lang="en-US"/>
           </a:p>
@@ -2443,7 +3203,7 @@
           <a:p>
             <a:fld id="{6B0EF491-B434-477E-862B-117F5FDA35FB}" type="datetimeFigureOut">
               <a:rPr lang="en-US" smtClean="0"/>
-              <a:t>5/3/2023</a:t>
+              <a:t>5/19/2023</a:t>
             </a:fld>
             <a:endParaRPr lang="en-US"/>
           </a:p>
@@ -2731,7 +3491,7 @@
           <a:p>
             <a:fld id="{6B0EF491-B434-477E-862B-117F5FDA35FB}" type="datetimeFigureOut">
               <a:rPr lang="en-US" smtClean="0"/>
-              <a:t>5/3/2023</a:t>
+              <a:t>5/19/2023</a:t>
             </a:fld>
             <a:endParaRPr lang="en-US"/>
           </a:p>
@@ -2972,7 +3732,7 @@
           <a:p>
             <a:fld id="{6B0EF491-B434-477E-862B-117F5FDA35FB}" type="datetimeFigureOut">
               <a:rPr lang="en-US" smtClean="0"/>
-              <a:t>5/3/2023</a:t>
+              <a:t>5/19/2023</a:t>
             </a:fld>
             <a:endParaRPr lang="en-US"/>
           </a:p>
@@ -3677,24 +4437,25 @@
         </p:nvSpPr>
         <p:spPr>
           <a:xfrm>
-            <a:off x="6343650" y="3962400"/>
-            <a:ext cx="5505814" cy="1690409"/>
+            <a:off x="6709410" y="4437888"/>
+            <a:ext cx="4665726" cy="1690409"/>
           </a:xfrm>
         </p:spPr>
         <p:txBody>
           <a:bodyPr anchor="b">
-            <a:normAutofit/>
+            <a:normAutofit fontScale="90000"/>
           </a:bodyPr>
           <a:lstStyle/>
           <a:p>
             <a:pPr algn="l"/>
             <a:br>
-              <a:rPr lang="en-US" sz="2800"/>
+              <a:rPr lang="en-US" sz="2800" dirty="0"/>
             </a:br>
             <a:r>
-              <a:rPr lang="en-US" sz="2800"/>
+              <a:rPr lang="en-US" sz="3600" b="1" dirty="0"/>
               <a:t>Estimation of obesity levels based on eating habits and physical condition Data Set</a:t>
             </a:r>
+            <a:endParaRPr lang="en-US" sz="2800" b="1" dirty="0"/>
           </a:p>
         </p:txBody>
       </p:sp>
@@ -4269,23 +5030,28 @@
               <a:buNone/>
             </a:pPr>
             <a:r>
-              <a:rPr lang="en-US" sz="2400"/>
-              <a:t>	The goal of this project is to estimate the obesity levels of individuals based on various factors such as their age, height, weight and their habits in general, physical habits, eating/drinking habits and smoking habits. </a:t>
+              <a:rPr lang="en-US" sz="2400" dirty="0"/>
+              <a:t>	</a:t>
+            </a:r>
+            <a:r>
+              <a:rPr lang="en-US" sz="2000" dirty="0"/>
+              <a:t>The goal of this project is to estimate the obesity levels of individuals based on various factors such as their age, height, weight and their habits in general, physical habits, eating/drinking habits and smoking habits. </a:t>
             </a:r>
             <a:br>
-              <a:rPr lang="en-US" sz="2400"/>
+              <a:rPr lang="en-US" sz="2000" dirty="0"/>
             </a:br>
             <a:r>
-              <a:rPr lang="en-US" sz="2400"/>
+              <a:rPr lang="en-US" sz="2000" dirty="0"/>
               <a:t>	Only 23% of the values in the dataset provided for this project are genuine, it means that 77% of the data was generated and probably needs cleaning. </a:t>
             </a:r>
             <a:br>
-              <a:rPr lang="en-US" sz="2400"/>
+              <a:rPr lang="en-US" sz="2000" dirty="0"/>
             </a:br>
             <a:r>
-              <a:rPr lang="en-US" sz="2400"/>
+              <a:rPr lang="en-US" sz="2000" dirty="0"/>
               <a:t>	The purpose of this project is to gain knowledge and experience in handling errors in the data, commonly known as "outliers“, and applying supervised learning algorithms that were covered in our theoretical class.</a:t>
             </a:r>
+            <a:endParaRPr lang="en-US" sz="2400" dirty="0"/>
           </a:p>
         </p:txBody>
       </p:sp>
@@ -4766,7 +5532,7 @@
           <a:p>
             <a:r>
               <a:rPr lang="en-US" sz="4800" dirty="0"/>
-              <a:t>  Related Work (References)</a:t>
+              <a:t>  Cleaning Process (Removing Outliers)</a:t>
             </a:r>
           </a:p>
         </p:txBody>
@@ -4804,25 +5570,35 @@
             </a:pPr>
             <a:r>
               <a:rPr lang="en-US" sz="2400" dirty="0"/>
-              <a:t>	During the cleaning process of the dataset, we found that reading the attribute descriptions and reviewing the article provided was helpful for a better understanding of the dataset. It helped us understand </a:t>
-            </a:r>
-            <a:r>
-              <a:rPr lang="en-US" sz="2400" dirty="0" err="1"/>
-              <a:t>whichs</a:t>
-            </a:r>
-            <a:r>
-              <a:rPr lang="en-US" sz="2400" dirty="0"/>
-              <a:t> features could be more important and which types of “outliers” we could have.</a:t>
-            </a:r>
-          </a:p>
-          <a:p>
-            <a:pPr marL="0" indent="0">
-              <a:buNone/>
-            </a:pPr>
-            <a:r>
-              <a:rPr lang="en-US" sz="2400" dirty="0"/>
-              <a:t>	Additionally, we found the scikit-learn webpage to be useful for implementing the supervised learning algorithms.</a:t>
-            </a:r>
+              <a:t>	</a:t>
+            </a:r>
+            <a:r>
+              <a:rPr lang="en-US" sz="2000" dirty="0"/>
+              <a:t>Like we said in the project description, the dataset needed some cleaning and for that we used the Body Mass Index, BMI, to classify our data.</a:t>
+            </a:r>
+            <a:br>
+              <a:rPr lang="en-US" sz="2000" dirty="0"/>
+            </a:br>
+            <a:r>
+              <a:rPr lang="en-US" sz="2000" dirty="0"/>
+              <a:t>BMI = Weight / (Height * Height)</a:t>
+            </a:r>
+            <a:br>
+              <a:rPr lang="en-US" sz="2000" dirty="0"/>
+            </a:br>
+            <a:r>
+              <a:rPr lang="en-US" sz="2000" dirty="0"/>
+              <a:t>Then we compared the BMI classification with the one already presented and removed the data wrongly classified. This </a:t>
+            </a:r>
+            <a:r>
+              <a:rPr lang="en-US" sz="2000" dirty="0" err="1"/>
+              <a:t>provoque</a:t>
+            </a:r>
+            <a:r>
+              <a:rPr lang="en-US" sz="2000" dirty="0"/>
+              <a:t> a decrease of 170 rows in our data, 2111 to 1941. </a:t>
+            </a:r>
+            <a:endParaRPr lang="en-US" sz="2400" dirty="0"/>
           </a:p>
         </p:txBody>
       </p:sp>
@@ -5302,7 +6078,7 @@
           <a:p>
             <a:r>
               <a:rPr lang="en-US" sz="4800" dirty="0"/>
-              <a:t>  Algorithms to Implement</a:t>
+              <a:t>  Features used and why</a:t>
             </a:r>
           </a:p>
         </p:txBody>
@@ -5325,7 +6101,7 @@
         </p:nvSpPr>
         <p:spPr>
           <a:xfrm>
-            <a:off x="1045028" y="3017522"/>
+            <a:off x="1045028" y="3026666"/>
             <a:ext cx="9941319" cy="3124658"/>
           </a:xfrm>
         </p:spPr>
@@ -5339,30 +6115,64 @@
               <a:buNone/>
             </a:pPr>
             <a:r>
-              <a:rPr lang="en-US" sz="2400" dirty="0"/>
-              <a:t>	Like we said in the project description, the dataset will need some cleaning and for that we will need to see the data that is wrongly classified. One possible bad classification that we can think is related to the body mass index, </a:t>
-            </a:r>
-            <a:r>
-              <a:rPr lang="en-US" sz="2400" dirty="0" err="1"/>
-              <a:t>bmi</a:t>
-            </a:r>
-            <a:r>
-              <a:rPr lang="en-US" sz="2400" dirty="0"/>
-              <a:t> = weight / (height*height).</a:t>
-            </a:r>
-            <a:br>
-              <a:rPr lang="en-US" sz="2400" dirty="0"/>
-            </a:br>
-            <a:r>
-              <a:rPr lang="en-US" sz="2400" dirty="0"/>
-              <a:t>	The algorithms to implement are described in the introduction of the project. The goal is to compare different types of classifiers and identify which one performs best for the given task. The errors generated by each classifier will be analyzed to gain insight into their strengths and weaknesses.</a:t>
+              <a:rPr lang="en-US" sz="2000" dirty="0"/>
+              <a:t>For the algorithms implemented we used different inputs with different features.</a:t>
+            </a:r>
+          </a:p>
+          <a:p>
+            <a:r>
+              <a:rPr lang="en-US" sz="2000" dirty="0"/>
+              <a:t>all features (17 features) </a:t>
+            </a:r>
+          </a:p>
+          <a:p>
+            <a:r>
+              <a:rPr lang="en-US" sz="2000" dirty="0"/>
+              <a:t>all features with MBI and without Height and Weight (15 features) </a:t>
+            </a:r>
+          </a:p>
+          <a:p>
+            <a:r>
+              <a:rPr lang="en-US" sz="2000" dirty="0"/>
+              <a:t>less features with MBI and without Height and Weight (12 features) </a:t>
+            </a:r>
+          </a:p>
+          <a:p>
+            <a:r>
+              <a:rPr lang="en-US" sz="2000" dirty="0"/>
+              <a:t>less features without MBI (13 features)</a:t>
+            </a:r>
+          </a:p>
+          <a:p>
+            <a:r>
+              <a:rPr lang="en-US" sz="2000" dirty="0"/>
+              <a:t>all features without MBI (16 features)</a:t>
             </a:r>
           </a:p>
           <a:p>
             <a:pPr marL="0" indent="0">
               <a:buNone/>
             </a:pPr>
-            <a:endParaRPr lang="en-US" sz="2400" dirty="0"/>
+            <a:r>
+              <a:rPr lang="en-US" sz="2000" dirty="0"/>
+              <a:t>We decided to add the MBI feature and use it in the algorithms. In this cases we could not clean the data as we talked before, because this would </a:t>
+            </a:r>
+            <a:r>
+              <a:rPr lang="en-US" sz="2000" dirty="0" err="1"/>
+              <a:t>provoque</a:t>
+            </a:r>
+            <a:r>
+              <a:rPr lang="en-US" sz="2000" dirty="0"/>
+              <a:t> </a:t>
+            </a:r>
+            <a:r>
+              <a:rPr lang="en-US" sz="2000" b="1" i="1" dirty="0"/>
+              <a:t>Overfitting</a:t>
+            </a:r>
+            <a:r>
+              <a:rPr lang="en-US" sz="2000" dirty="0"/>
+              <a:t>.</a:t>
+            </a:r>
           </a:p>
         </p:txBody>
       </p:sp>
@@ -5432,6 +6242,1315 @@
 </file>
 
 <file path=ppt/slides/slide5.xml><?xml version="1.0" encoding="utf-8"?>
+<p:sld xmlns:a="http://schemas.openxmlformats.org/drawingml/2006/main" xmlns:r="http://schemas.openxmlformats.org/officeDocument/2006/relationships" xmlns:p="http://schemas.openxmlformats.org/presentationml/2006/main">
+  <p:cSld>
+    <p:bg>
+      <p:bgPr>
+        <a:solidFill>
+          <a:schemeClr val="bg1"/>
+        </a:solidFill>
+        <a:effectLst/>
+      </p:bgPr>
+    </p:bg>
+    <p:spTree>
+      <p:nvGrpSpPr>
+        <p:cNvPr id="1" name=""/>
+        <p:cNvGrpSpPr/>
+        <p:nvPr/>
+      </p:nvGrpSpPr>
+      <p:grpSpPr>
+        <a:xfrm>
+          <a:off x="0" y="0"/>
+          <a:ext cx="0" cy="0"/>
+          <a:chOff x="0" y="0"/>
+          <a:chExt cx="0" cy="0"/>
+        </a:xfrm>
+      </p:grpSpPr>
+      <p:sp useBgFill="1">
+        <p:nvSpPr>
+          <p:cNvPr id="22" name="Rectangle 21">
+            <a:extLst>
+              <a:ext uri="{FF2B5EF4-FFF2-40B4-BE49-F238E27FC236}">
+                <a16:creationId xmlns:a16="http://schemas.microsoft.com/office/drawing/2014/main" id="{0550F5B9-399F-4FAD-AE6C-ED65F9A43A74}"/>
+              </a:ext>
+              <a:ext uri="{C183D7F6-B498-43B3-948B-1728B52AA6E4}">
+                <adec:decorative xmlns:adec="http://schemas.microsoft.com/office/drawing/2017/decorative" val="1"/>
+              </a:ext>
+            </a:extLst>
+          </p:cNvPr>
+          <p:cNvSpPr>
+            <a:spLocks noGrp="1" noRot="1" noChangeAspect="1" noMove="1" noResize="1" noEditPoints="1" noAdjustHandles="1" noChangeArrowheads="1" noChangeShapeType="1" noTextEdit="1"/>
+          </p:cNvSpPr>
+          <p:nvPr>
+            <p:extLst>
+              <p:ext uri="{386F3935-93C4-4BCD-93E2-E3B085C9AB24}">
+                <p16:designElem xmlns:p16="http://schemas.microsoft.com/office/powerpoint/2015/main" val="1"/>
+              </p:ext>
+            </p:extLst>
+          </p:nvPr>
+        </p:nvSpPr>
+        <p:spPr>
+          <a:xfrm>
+            <a:off x="0" y="0"/>
+            <a:ext cx="12192000" cy="6858000"/>
+          </a:xfrm>
+          <a:prstGeom prst="rect">
+            <a:avLst/>
+          </a:prstGeom>
+          <a:ln>
+            <a:noFill/>
+          </a:ln>
+        </p:spPr>
+        <p:style>
+          <a:lnRef idx="2">
+            <a:schemeClr val="accent1">
+              <a:shade val="50000"/>
+            </a:schemeClr>
+          </a:lnRef>
+          <a:fillRef idx="1">
+            <a:schemeClr val="accent1"/>
+          </a:fillRef>
+          <a:effectRef idx="0">
+            <a:schemeClr val="accent1"/>
+          </a:effectRef>
+          <a:fontRef idx="minor">
+            <a:schemeClr val="lt1"/>
+          </a:fontRef>
+        </p:style>
+        <p:txBody>
+          <a:bodyPr rtlCol="0" anchor="ctr"/>
+          <a:lstStyle/>
+          <a:p>
+            <a:pPr algn="ctr"/>
+            <a:endParaRPr lang="en-US"/>
+          </a:p>
+        </p:txBody>
+      </p:sp>
+      <p:sp useBgFill="1">
+        <p:nvSpPr>
+          <p:cNvPr id="24" name="Rectangle 23">
+            <a:extLst>
+              <a:ext uri="{FF2B5EF4-FFF2-40B4-BE49-F238E27FC236}">
+                <a16:creationId xmlns:a16="http://schemas.microsoft.com/office/drawing/2014/main" id="{C062E60F-5CD4-4268-8359-8076634680E5}"/>
+              </a:ext>
+              <a:ext uri="{C183D7F6-B498-43B3-948B-1728B52AA6E4}">
+                <adec:decorative xmlns:adec="http://schemas.microsoft.com/office/drawing/2017/decorative" val="1"/>
+              </a:ext>
+            </a:extLst>
+          </p:cNvPr>
+          <p:cNvSpPr>
+            <a:spLocks noGrp="1" noRot="1" noChangeAspect="1" noMove="1" noResize="1" noEditPoints="1" noAdjustHandles="1" noChangeArrowheads="1" noChangeShapeType="1" noTextEdit="1"/>
+          </p:cNvSpPr>
+          <p:nvPr>
+            <p:extLst>
+              <p:ext uri="{386F3935-93C4-4BCD-93E2-E3B085C9AB24}">
+                <p16:designElem xmlns:p16="http://schemas.microsoft.com/office/powerpoint/2015/main" val="1"/>
+              </p:ext>
+            </p:extLst>
+          </p:nvPr>
+        </p:nvSpPr>
+        <p:spPr>
+          <a:xfrm>
+            <a:off x="554416" y="288350"/>
+            <a:ext cx="11167447" cy="2089317"/>
+          </a:xfrm>
+          <a:prstGeom prst="rect">
+            <a:avLst/>
+          </a:prstGeom>
+          <a:ln w="12700">
+            <a:solidFill>
+              <a:srgbClr val="DEDEDE"/>
+            </a:solidFill>
+          </a:ln>
+          <a:effectLst>
+            <a:outerShdw blurRad="50800" dist="38100" dir="2700000" algn="tl" rotWithShape="0">
+              <a:schemeClr val="bg2">
+                <a:lumMod val="85000"/>
+                <a:alpha val="50000"/>
+              </a:schemeClr>
+            </a:outerShdw>
+          </a:effectLst>
+        </p:spPr>
+        <p:style>
+          <a:lnRef idx="2">
+            <a:schemeClr val="accent1">
+              <a:shade val="50000"/>
+            </a:schemeClr>
+          </a:lnRef>
+          <a:fillRef idx="1">
+            <a:schemeClr val="accent1"/>
+          </a:fillRef>
+          <a:effectRef idx="0">
+            <a:schemeClr val="accent1"/>
+          </a:effectRef>
+          <a:fontRef idx="minor">
+            <a:schemeClr val="lt1"/>
+          </a:fontRef>
+        </p:style>
+        <p:txBody>
+          <a:bodyPr rtlCol="0" anchor="ctr"/>
+          <a:lstStyle/>
+          <a:p>
+            <a:pPr marL="0" marR="0" lvl="0" indent="0" algn="ctr" defTabSz="914400" rtl="0" eaLnBrk="1" fontAlgn="auto" latinLnBrk="0" hangingPunct="1">
+              <a:lnSpc>
+                <a:spcPct val="100000"/>
+              </a:lnSpc>
+              <a:spcBef>
+                <a:spcPts val="0"/>
+              </a:spcBef>
+              <a:spcAft>
+                <a:spcPts val="0"/>
+              </a:spcAft>
+              <a:buClrTx/>
+              <a:buSzTx/>
+              <a:buFontTx/>
+              <a:buNone/>
+              <a:tabLst/>
+              <a:defRPr/>
+            </a:pPr>
+            <a:endParaRPr kumimoji="0" lang="en-US" sz="1800" b="0" i="0" u="none" strike="noStrike" kern="1200" cap="none" spc="0" normalizeH="0" baseline="0" noProof="0">
+              <a:ln>
+                <a:noFill/>
+              </a:ln>
+              <a:solidFill>
+                <a:prstClr val="white"/>
+              </a:solidFill>
+              <a:effectLst/>
+              <a:uLnTx/>
+              <a:uFillTx/>
+              <a:latin typeface="Calibri" panose="020F0502020204030204"/>
+              <a:ea typeface="+mn-ea"/>
+              <a:cs typeface="+mn-cs"/>
+            </a:endParaRPr>
+          </a:p>
+        </p:txBody>
+      </p:sp>
+      <p:sp>
+        <p:nvSpPr>
+          <p:cNvPr id="2" name="Title 1">
+            <a:extLst>
+              <a:ext uri="{FF2B5EF4-FFF2-40B4-BE49-F238E27FC236}">
+                <a16:creationId xmlns:a16="http://schemas.microsoft.com/office/drawing/2014/main" id="{A3E5AD32-2BF4-A76D-607F-3633BB430573}"/>
+              </a:ext>
+            </a:extLst>
+          </p:cNvPr>
+          <p:cNvSpPr>
+            <a:spLocks noGrp="1"/>
+          </p:cNvSpPr>
+          <p:nvPr>
+            <p:ph type="title"/>
+          </p:nvPr>
+        </p:nvSpPr>
+        <p:spPr>
+          <a:xfrm>
+            <a:off x="841248" y="510047"/>
+            <a:ext cx="3300984" cy="1645920"/>
+          </a:xfrm>
+        </p:spPr>
+        <p:style>
+          <a:lnRef idx="1">
+            <a:schemeClr val="accent1"/>
+          </a:lnRef>
+          <a:fillRef idx="2">
+            <a:schemeClr val="accent1"/>
+          </a:fillRef>
+          <a:effectRef idx="1">
+            <a:schemeClr val="accent1"/>
+          </a:effectRef>
+          <a:fontRef idx="minor">
+            <a:schemeClr val="dk1"/>
+          </a:fontRef>
+        </p:style>
+        <p:txBody>
+          <a:bodyPr>
+            <a:normAutofit/>
+          </a:bodyPr>
+          <a:lstStyle/>
+          <a:p>
+            <a:r>
+              <a:rPr lang="en-US" sz="2800"/>
+              <a:t>  Algorithms Implemented and Theirs Best Results</a:t>
+            </a:r>
+          </a:p>
+        </p:txBody>
+      </p:sp>
+      <p:sp>
+        <p:nvSpPr>
+          <p:cNvPr id="26" name="Rectangle 25">
+            <a:extLst>
+              <a:ext uri="{FF2B5EF4-FFF2-40B4-BE49-F238E27FC236}">
+                <a16:creationId xmlns:a16="http://schemas.microsoft.com/office/drawing/2014/main" id="{BB341EC3-1810-4D33-BA3F-E2D0AA0ECFB6}"/>
+              </a:ext>
+              <a:ext uri="{C183D7F6-B498-43B3-948B-1728B52AA6E4}">
+                <adec:decorative xmlns:adec="http://schemas.microsoft.com/office/drawing/2017/decorative" val="1"/>
+              </a:ext>
+            </a:extLst>
+          </p:cNvPr>
+          <p:cNvSpPr>
+            <a:spLocks noGrp="1" noRot="1" noChangeAspect="1" noMove="1" noResize="1" noEditPoints="1" noAdjustHandles="1" noChangeArrowheads="1" noChangeShapeType="1" noTextEdit="1"/>
+          </p:cNvSpPr>
+          <p:nvPr>
+            <p:extLst>
+              <p:ext uri="{386F3935-93C4-4BCD-93E2-E3B085C9AB24}">
+                <p16:designElem xmlns:p16="http://schemas.microsoft.com/office/powerpoint/2015/main" val="1"/>
+              </p:ext>
+            </p:extLst>
+          </p:nvPr>
+        </p:nvSpPr>
+        <p:spPr>
+          <a:xfrm>
+            <a:off x="490408" y="980964"/>
+            <a:ext cx="128016" cy="704088"/>
+          </a:xfrm>
+          <a:prstGeom prst="rect">
+            <a:avLst/>
+          </a:prstGeom>
+          <a:solidFill>
+            <a:schemeClr val="accent2"/>
+          </a:solidFill>
+          <a:ln>
+            <a:noFill/>
+          </a:ln>
+        </p:spPr>
+        <p:style>
+          <a:lnRef idx="2">
+            <a:schemeClr val="accent1">
+              <a:shade val="50000"/>
+            </a:schemeClr>
+          </a:lnRef>
+          <a:fillRef idx="1">
+            <a:schemeClr val="accent1"/>
+          </a:fillRef>
+          <a:effectRef idx="0">
+            <a:schemeClr val="accent1"/>
+          </a:effectRef>
+          <a:fontRef idx="minor">
+            <a:schemeClr val="lt1"/>
+          </a:fontRef>
+        </p:style>
+        <p:txBody>
+          <a:bodyPr rtlCol="0" anchor="ctr"/>
+          <a:lstStyle/>
+          <a:p>
+            <a:pPr marL="0" marR="0" lvl="0" indent="0" algn="ctr" defTabSz="914400" rtl="0" eaLnBrk="1" fontAlgn="auto" latinLnBrk="0" hangingPunct="1">
+              <a:lnSpc>
+                <a:spcPct val="100000"/>
+              </a:lnSpc>
+              <a:spcBef>
+                <a:spcPts val="0"/>
+              </a:spcBef>
+              <a:spcAft>
+                <a:spcPts val="0"/>
+              </a:spcAft>
+              <a:buClrTx/>
+              <a:buSzTx/>
+              <a:buFontTx/>
+              <a:buNone/>
+              <a:tabLst/>
+              <a:defRPr/>
+            </a:pPr>
+            <a:endParaRPr kumimoji="0" lang="en-US" sz="1800" b="0" i="0" u="none" strike="noStrike" kern="1200" cap="none" spc="0" normalizeH="0" baseline="0" noProof="0" dirty="0">
+              <a:ln>
+                <a:noFill/>
+              </a:ln>
+              <a:solidFill>
+                <a:prstClr val="white"/>
+              </a:solidFill>
+              <a:effectLst/>
+              <a:uLnTx/>
+              <a:uFillTx/>
+              <a:latin typeface="Calibri" panose="020F0502020204030204"/>
+              <a:ea typeface="+mn-ea"/>
+              <a:cs typeface="+mn-cs"/>
+            </a:endParaRPr>
+          </a:p>
+        </p:txBody>
+      </p:sp>
+      <p:sp>
+        <p:nvSpPr>
+          <p:cNvPr id="28" name="Rectangle 27">
+            <a:extLst>
+              <a:ext uri="{FF2B5EF4-FFF2-40B4-BE49-F238E27FC236}">
+                <a16:creationId xmlns:a16="http://schemas.microsoft.com/office/drawing/2014/main" id="{10127CDE-2B99-47A8-BB3C-7D17519105E0}"/>
+              </a:ext>
+              <a:ext uri="{C183D7F6-B498-43B3-948B-1728B52AA6E4}">
+                <adec:decorative xmlns:adec="http://schemas.microsoft.com/office/drawing/2017/decorative" val="1"/>
+              </a:ext>
+            </a:extLst>
+          </p:cNvPr>
+          <p:cNvSpPr>
+            <a:spLocks noGrp="1" noRot="1" noChangeAspect="1" noMove="1" noResize="1" noEditPoints="1" noAdjustHandles="1" noChangeArrowheads="1" noChangeShapeType="1" noTextEdit="1"/>
+          </p:cNvSpPr>
+          <p:nvPr>
+            <p:extLst>
+              <p:ext uri="{386F3935-93C4-4BCD-93E2-E3B085C9AB24}">
+                <p16:designElem xmlns:p16="http://schemas.microsoft.com/office/powerpoint/2015/main" val="1"/>
+              </p:ext>
+            </p:extLst>
+          </p:nvPr>
+        </p:nvSpPr>
+        <p:spPr>
+          <a:xfrm rot="5400000">
+            <a:off x="3610864" y="1323863"/>
+            <a:ext cx="1463040" cy="18288"/>
+          </a:xfrm>
+          <a:prstGeom prst="rect">
+            <a:avLst/>
+          </a:prstGeom>
+          <a:solidFill>
+            <a:srgbClr val="D5D5D5"/>
+          </a:solidFill>
+          <a:ln w="3175">
+            <a:noFill/>
+          </a:ln>
+          <a:effectLst/>
+        </p:spPr>
+        <p:style>
+          <a:lnRef idx="2">
+            <a:schemeClr val="accent1">
+              <a:shade val="50000"/>
+            </a:schemeClr>
+          </a:lnRef>
+          <a:fillRef idx="1">
+            <a:schemeClr val="accent1"/>
+          </a:fillRef>
+          <a:effectRef idx="0">
+            <a:schemeClr val="accent1"/>
+          </a:effectRef>
+          <a:fontRef idx="minor">
+            <a:schemeClr val="lt1"/>
+          </a:fontRef>
+        </p:style>
+        <p:txBody>
+          <a:bodyPr rtlCol="0" anchor="ctr"/>
+          <a:lstStyle/>
+          <a:p>
+            <a:pPr marL="0" marR="0" lvl="0" indent="0" algn="ctr" defTabSz="914400" rtl="0" eaLnBrk="1" fontAlgn="auto" latinLnBrk="0" hangingPunct="1">
+              <a:lnSpc>
+                <a:spcPct val="100000"/>
+              </a:lnSpc>
+              <a:spcBef>
+                <a:spcPts val="0"/>
+              </a:spcBef>
+              <a:spcAft>
+                <a:spcPts val="0"/>
+              </a:spcAft>
+              <a:buClrTx/>
+              <a:buSzTx/>
+              <a:buFontTx/>
+              <a:buNone/>
+              <a:tabLst/>
+              <a:defRPr/>
+            </a:pPr>
+            <a:endParaRPr kumimoji="0" lang="en-US" sz="1800" b="0" i="0" u="none" strike="noStrike" kern="1200" cap="none" spc="0" normalizeH="0" baseline="0" noProof="0">
+              <a:ln>
+                <a:noFill/>
+              </a:ln>
+              <a:solidFill>
+                <a:prstClr val="white"/>
+              </a:solidFill>
+              <a:effectLst/>
+              <a:uLnTx/>
+              <a:uFillTx/>
+              <a:latin typeface="Calibri" panose="020F0502020204030204"/>
+              <a:ea typeface="+mn-ea"/>
+              <a:cs typeface="+mn-cs"/>
+            </a:endParaRPr>
+          </a:p>
+        </p:txBody>
+      </p:sp>
+      <p:sp>
+        <p:nvSpPr>
+          <p:cNvPr id="3" name="Content Placeholder 2">
+            <a:extLst>
+              <a:ext uri="{FF2B5EF4-FFF2-40B4-BE49-F238E27FC236}">
+                <a16:creationId xmlns:a16="http://schemas.microsoft.com/office/drawing/2014/main" id="{C9FF7FA9-CD0D-E0F8-F302-B0E747AF24A9}"/>
+              </a:ext>
+            </a:extLst>
+          </p:cNvPr>
+          <p:cNvSpPr>
+            <a:spLocks noGrp="1"/>
+          </p:cNvSpPr>
+          <p:nvPr>
+            <p:ph idx="1"/>
+          </p:nvPr>
+        </p:nvSpPr>
+        <p:spPr>
+          <a:xfrm>
+            <a:off x="4581144" y="510047"/>
+            <a:ext cx="6858000" cy="1645920"/>
+          </a:xfrm>
+        </p:spPr>
+        <p:txBody>
+          <a:bodyPr anchor="ctr">
+            <a:normAutofit/>
+          </a:bodyPr>
+          <a:lstStyle/>
+          <a:p>
+            <a:pPr marL="0" indent="0">
+              <a:buNone/>
+            </a:pPr>
+            <a:r>
+              <a:rPr lang="en-US" sz="2400" b="1" dirty="0"/>
+              <a:t>Decision Tree Classifier:</a:t>
+            </a:r>
+          </a:p>
+          <a:p>
+            <a:pPr lvl="1"/>
+            <a:r>
+              <a:rPr lang="en-US" sz="1800" dirty="0"/>
+              <a:t>Best input -&gt; all features (17 features) </a:t>
+            </a:r>
+          </a:p>
+        </p:txBody>
+      </p:sp>
+      <p:pic>
+        <p:nvPicPr>
+          <p:cNvPr id="7" name="Picture 6">
+            <a:extLst>
+              <a:ext uri="{FF2B5EF4-FFF2-40B4-BE49-F238E27FC236}">
+                <a16:creationId xmlns:a16="http://schemas.microsoft.com/office/drawing/2014/main" id="{D2CA0F5B-3ED2-D695-D3C2-4351EF786339}"/>
+              </a:ext>
+            </a:extLst>
+          </p:cNvPr>
+          <p:cNvPicPr>
+            <a:picLocks noChangeAspect="1"/>
+          </p:cNvPicPr>
+          <p:nvPr/>
+        </p:nvPicPr>
+        <p:blipFill>
+          <a:blip r:embed="rId2"/>
+          <a:stretch>
+            <a:fillRect/>
+          </a:stretch>
+        </p:blipFill>
+        <p:spPr>
+          <a:xfrm>
+            <a:off x="557784" y="2955489"/>
+            <a:ext cx="3584448" cy="2941257"/>
+          </a:xfrm>
+          <a:prstGeom prst="rect">
+            <a:avLst/>
+          </a:prstGeom>
+        </p:spPr>
+      </p:pic>
+      <p:pic>
+        <p:nvPicPr>
+          <p:cNvPr id="14" name="Picture 13">
+            <a:extLst>
+              <a:ext uri="{FF2B5EF4-FFF2-40B4-BE49-F238E27FC236}">
+                <a16:creationId xmlns:a16="http://schemas.microsoft.com/office/drawing/2014/main" id="{226DE6D9-9F4E-E9ED-CEFF-A79F29633070}"/>
+              </a:ext>
+            </a:extLst>
+          </p:cNvPr>
+          <p:cNvPicPr>
+            <a:picLocks noChangeAspect="1"/>
+          </p:cNvPicPr>
+          <p:nvPr/>
+        </p:nvPicPr>
+        <p:blipFill>
+          <a:blip r:embed="rId3"/>
+          <a:stretch>
+            <a:fillRect/>
+          </a:stretch>
+        </p:blipFill>
+        <p:spPr>
+          <a:xfrm>
+            <a:off x="8145272" y="3163049"/>
+            <a:ext cx="3584448" cy="2847269"/>
+          </a:xfrm>
+          <a:prstGeom prst="rect">
+            <a:avLst/>
+          </a:prstGeom>
+        </p:spPr>
+      </p:pic>
+      <p:pic>
+        <p:nvPicPr>
+          <p:cNvPr id="5" name="Picture 4">
+            <a:extLst>
+              <a:ext uri="{FF2B5EF4-FFF2-40B4-BE49-F238E27FC236}">
+                <a16:creationId xmlns:a16="http://schemas.microsoft.com/office/drawing/2014/main" id="{E4D46A7F-8879-B073-E3DC-955172E9FBA0}"/>
+              </a:ext>
+            </a:extLst>
+          </p:cNvPr>
+          <p:cNvPicPr>
+            <a:picLocks noChangeAspect="1"/>
+          </p:cNvPicPr>
+          <p:nvPr/>
+        </p:nvPicPr>
+        <p:blipFill>
+          <a:blip r:embed="rId4"/>
+          <a:stretch>
+            <a:fillRect/>
+          </a:stretch>
+        </p:blipFill>
+        <p:spPr>
+          <a:xfrm>
+            <a:off x="4351528" y="3163049"/>
+            <a:ext cx="3584448" cy="2634569"/>
+          </a:xfrm>
+          <a:prstGeom prst="rect">
+            <a:avLst/>
+          </a:prstGeom>
+        </p:spPr>
+      </p:pic>
+      <p:sp>
+        <p:nvSpPr>
+          <p:cNvPr id="16" name="TextBox 15">
+            <a:extLst>
+              <a:ext uri="{FF2B5EF4-FFF2-40B4-BE49-F238E27FC236}">
+                <a16:creationId xmlns:a16="http://schemas.microsoft.com/office/drawing/2014/main" id="{E2CB179A-D512-7F06-5923-CC50915F3C3F}"/>
+              </a:ext>
+            </a:extLst>
+          </p:cNvPr>
+          <p:cNvSpPr txBox="1"/>
+          <p:nvPr/>
+        </p:nvSpPr>
+        <p:spPr>
+          <a:xfrm>
+            <a:off x="618424" y="2585692"/>
+            <a:ext cx="2690801" cy="369332"/>
+          </a:xfrm>
+          <a:prstGeom prst="rect">
+            <a:avLst/>
+          </a:prstGeom>
+          <a:noFill/>
+        </p:spPr>
+        <p:txBody>
+          <a:bodyPr wrap="none" rtlCol="0">
+            <a:spAutoFit/>
+          </a:bodyPr>
+          <a:lstStyle/>
+          <a:p>
+            <a:r>
+              <a:rPr lang="en-US" dirty="0"/>
+              <a:t>Cross Validation Histogram</a:t>
+            </a:r>
+          </a:p>
+        </p:txBody>
+      </p:sp>
+      <p:sp>
+        <p:nvSpPr>
+          <p:cNvPr id="18" name="TextBox 17">
+            <a:extLst>
+              <a:ext uri="{FF2B5EF4-FFF2-40B4-BE49-F238E27FC236}">
+                <a16:creationId xmlns:a16="http://schemas.microsoft.com/office/drawing/2014/main" id="{BA82D5FB-11B7-A403-6412-D56257B8A670}"/>
+              </a:ext>
+            </a:extLst>
+          </p:cNvPr>
+          <p:cNvSpPr txBox="1"/>
+          <p:nvPr/>
+        </p:nvSpPr>
+        <p:spPr>
+          <a:xfrm>
+            <a:off x="4369174" y="2585692"/>
+            <a:ext cx="2608727" cy="369332"/>
+          </a:xfrm>
+          <a:prstGeom prst="rect">
+            <a:avLst/>
+          </a:prstGeom>
+          <a:noFill/>
+        </p:spPr>
+        <p:txBody>
+          <a:bodyPr wrap="none" rtlCol="0">
+            <a:spAutoFit/>
+          </a:bodyPr>
+          <a:lstStyle/>
+          <a:p>
+            <a:r>
+              <a:rPr lang="en-US" dirty="0"/>
+              <a:t>1000 iterations Histogram</a:t>
+            </a:r>
+          </a:p>
+        </p:txBody>
+      </p:sp>
+      <p:sp>
+        <p:nvSpPr>
+          <p:cNvPr id="19" name="TextBox 18">
+            <a:extLst>
+              <a:ext uri="{FF2B5EF4-FFF2-40B4-BE49-F238E27FC236}">
+                <a16:creationId xmlns:a16="http://schemas.microsoft.com/office/drawing/2014/main" id="{76B2C4E0-33F4-F62D-732F-35754112C420}"/>
+              </a:ext>
+            </a:extLst>
+          </p:cNvPr>
+          <p:cNvSpPr txBox="1"/>
+          <p:nvPr/>
+        </p:nvSpPr>
+        <p:spPr>
+          <a:xfrm>
+            <a:off x="8037850" y="2585517"/>
+            <a:ext cx="1797030" cy="369332"/>
+          </a:xfrm>
+          <a:prstGeom prst="rect">
+            <a:avLst/>
+          </a:prstGeom>
+          <a:noFill/>
+        </p:spPr>
+        <p:txBody>
+          <a:bodyPr wrap="none" rtlCol="0">
+            <a:spAutoFit/>
+          </a:bodyPr>
+          <a:lstStyle/>
+          <a:p>
+            <a:r>
+              <a:rPr lang="en-US" dirty="0"/>
+              <a:t>Confusion Matrix</a:t>
+            </a:r>
+          </a:p>
+        </p:txBody>
+      </p:sp>
+    </p:spTree>
+    <p:extLst>
+      <p:ext uri="{BB962C8B-B14F-4D97-AF65-F5344CB8AC3E}">
+        <p14:creationId xmlns:p14="http://schemas.microsoft.com/office/powerpoint/2010/main" val="2068101650"/>
+      </p:ext>
+    </p:extLst>
+  </p:cSld>
+  <p:clrMapOvr>
+    <a:masterClrMapping/>
+  </p:clrMapOvr>
+</p:sld>
+</file>
+
+<file path=ppt/slides/slide6.xml><?xml version="1.0" encoding="utf-8"?>
+<p:sld xmlns:a="http://schemas.openxmlformats.org/drawingml/2006/main" xmlns:r="http://schemas.openxmlformats.org/officeDocument/2006/relationships" xmlns:p="http://schemas.openxmlformats.org/presentationml/2006/main">
+  <p:cSld>
+    <p:spTree>
+      <p:nvGrpSpPr>
+        <p:cNvPr id="1" name=""/>
+        <p:cNvGrpSpPr/>
+        <p:nvPr/>
+      </p:nvGrpSpPr>
+      <p:grpSpPr>
+        <a:xfrm>
+          <a:off x="0" y="0"/>
+          <a:ext cx="0" cy="0"/>
+          <a:chOff x="0" y="0"/>
+          <a:chExt cx="0" cy="0"/>
+        </a:xfrm>
+      </p:grpSpPr>
+      <p:sp>
+        <p:nvSpPr>
+          <p:cNvPr id="2" name="Title 1">
+            <a:extLst>
+              <a:ext uri="{FF2B5EF4-FFF2-40B4-BE49-F238E27FC236}">
+                <a16:creationId xmlns:a16="http://schemas.microsoft.com/office/drawing/2014/main" id="{A3E5AD32-2BF4-A76D-607F-3633BB430573}"/>
+              </a:ext>
+            </a:extLst>
+          </p:cNvPr>
+          <p:cNvSpPr>
+            <a:spLocks noGrp="1"/>
+          </p:cNvSpPr>
+          <p:nvPr>
+            <p:ph type="title"/>
+          </p:nvPr>
+        </p:nvSpPr>
+        <p:spPr>
+          <a:xfrm>
+            <a:off x="841248" y="510047"/>
+            <a:ext cx="3300984" cy="1645920"/>
+          </a:xfrm>
+        </p:spPr>
+        <p:style>
+          <a:lnRef idx="1">
+            <a:schemeClr val="accent1"/>
+          </a:lnRef>
+          <a:fillRef idx="2">
+            <a:schemeClr val="accent1"/>
+          </a:fillRef>
+          <a:effectRef idx="1">
+            <a:schemeClr val="accent1"/>
+          </a:effectRef>
+          <a:fontRef idx="minor">
+            <a:schemeClr val="dk1"/>
+          </a:fontRef>
+        </p:style>
+        <p:txBody>
+          <a:bodyPr>
+            <a:normAutofit/>
+          </a:bodyPr>
+          <a:lstStyle/>
+          <a:p>
+            <a:r>
+              <a:rPr lang="en-US" sz="2800"/>
+              <a:t>  Algorithms Implemented and Theirs Best Results</a:t>
+            </a:r>
+          </a:p>
+        </p:txBody>
+      </p:sp>
+      <p:sp>
+        <p:nvSpPr>
+          <p:cNvPr id="3" name="Content Placeholder 2">
+            <a:extLst>
+              <a:ext uri="{FF2B5EF4-FFF2-40B4-BE49-F238E27FC236}">
+                <a16:creationId xmlns:a16="http://schemas.microsoft.com/office/drawing/2014/main" id="{C9FF7FA9-CD0D-E0F8-F302-B0E747AF24A9}"/>
+              </a:ext>
+            </a:extLst>
+          </p:cNvPr>
+          <p:cNvSpPr>
+            <a:spLocks noGrp="1"/>
+          </p:cNvSpPr>
+          <p:nvPr>
+            <p:ph idx="1"/>
+          </p:nvPr>
+        </p:nvSpPr>
+        <p:spPr>
+          <a:xfrm>
+            <a:off x="4581144" y="510047"/>
+            <a:ext cx="6858000" cy="1645920"/>
+          </a:xfrm>
+        </p:spPr>
+        <p:txBody>
+          <a:bodyPr anchor="ctr">
+            <a:normAutofit/>
+          </a:bodyPr>
+          <a:lstStyle/>
+          <a:p>
+            <a:pPr marL="0" indent="0">
+              <a:buNone/>
+            </a:pPr>
+            <a:r>
+              <a:rPr lang="en-US" sz="2400" b="1" dirty="0"/>
+              <a:t>Support Vector Machine (SVM):</a:t>
+            </a:r>
+          </a:p>
+          <a:p>
+            <a:pPr lvl="1"/>
+            <a:r>
+              <a:rPr lang="en-US" sz="1800" dirty="0"/>
+              <a:t>Best input -&gt; less features with MBI and without Height and Weight (12 features)</a:t>
+            </a:r>
+          </a:p>
+        </p:txBody>
+      </p:sp>
+      <p:sp>
+        <p:nvSpPr>
+          <p:cNvPr id="16" name="TextBox 15">
+            <a:extLst>
+              <a:ext uri="{FF2B5EF4-FFF2-40B4-BE49-F238E27FC236}">
+                <a16:creationId xmlns:a16="http://schemas.microsoft.com/office/drawing/2014/main" id="{E2CB179A-D512-7F06-5923-CC50915F3C3F}"/>
+              </a:ext>
+            </a:extLst>
+          </p:cNvPr>
+          <p:cNvSpPr txBox="1"/>
+          <p:nvPr/>
+        </p:nvSpPr>
+        <p:spPr>
+          <a:xfrm>
+            <a:off x="618424" y="2585692"/>
+            <a:ext cx="2690801" cy="369332"/>
+          </a:xfrm>
+          <a:prstGeom prst="rect">
+            <a:avLst/>
+          </a:prstGeom>
+          <a:noFill/>
+        </p:spPr>
+        <p:txBody>
+          <a:bodyPr wrap="none" rtlCol="0">
+            <a:spAutoFit/>
+          </a:bodyPr>
+          <a:lstStyle/>
+          <a:p>
+            <a:r>
+              <a:rPr lang="en-US" dirty="0"/>
+              <a:t>Cross Validation Histogram</a:t>
+            </a:r>
+          </a:p>
+        </p:txBody>
+      </p:sp>
+      <p:sp>
+        <p:nvSpPr>
+          <p:cNvPr id="18" name="TextBox 17">
+            <a:extLst>
+              <a:ext uri="{FF2B5EF4-FFF2-40B4-BE49-F238E27FC236}">
+                <a16:creationId xmlns:a16="http://schemas.microsoft.com/office/drawing/2014/main" id="{BA82D5FB-11B7-A403-6412-D56257B8A670}"/>
+              </a:ext>
+            </a:extLst>
+          </p:cNvPr>
+          <p:cNvSpPr txBox="1"/>
+          <p:nvPr/>
+        </p:nvSpPr>
+        <p:spPr>
+          <a:xfrm>
+            <a:off x="4369174" y="2585692"/>
+            <a:ext cx="2608727" cy="369332"/>
+          </a:xfrm>
+          <a:prstGeom prst="rect">
+            <a:avLst/>
+          </a:prstGeom>
+          <a:noFill/>
+        </p:spPr>
+        <p:txBody>
+          <a:bodyPr wrap="none" rtlCol="0">
+            <a:spAutoFit/>
+          </a:bodyPr>
+          <a:lstStyle/>
+          <a:p>
+            <a:r>
+              <a:rPr lang="en-US" dirty="0"/>
+              <a:t>1000 iterations Histogram</a:t>
+            </a:r>
+          </a:p>
+        </p:txBody>
+      </p:sp>
+      <p:sp>
+        <p:nvSpPr>
+          <p:cNvPr id="19" name="TextBox 18">
+            <a:extLst>
+              <a:ext uri="{FF2B5EF4-FFF2-40B4-BE49-F238E27FC236}">
+                <a16:creationId xmlns:a16="http://schemas.microsoft.com/office/drawing/2014/main" id="{76B2C4E0-33F4-F62D-732F-35754112C420}"/>
+              </a:ext>
+            </a:extLst>
+          </p:cNvPr>
+          <p:cNvSpPr txBox="1"/>
+          <p:nvPr/>
+        </p:nvSpPr>
+        <p:spPr>
+          <a:xfrm>
+            <a:off x="8037850" y="2585517"/>
+            <a:ext cx="1797030" cy="369332"/>
+          </a:xfrm>
+          <a:prstGeom prst="rect">
+            <a:avLst/>
+          </a:prstGeom>
+          <a:noFill/>
+        </p:spPr>
+        <p:txBody>
+          <a:bodyPr wrap="none" rtlCol="0">
+            <a:spAutoFit/>
+          </a:bodyPr>
+          <a:lstStyle/>
+          <a:p>
+            <a:r>
+              <a:rPr lang="en-US" dirty="0"/>
+              <a:t>Confusion Matrix</a:t>
+            </a:r>
+          </a:p>
+        </p:txBody>
+      </p:sp>
+      <p:pic>
+        <p:nvPicPr>
+          <p:cNvPr id="6" name="Picture 5">
+            <a:extLst>
+              <a:ext uri="{FF2B5EF4-FFF2-40B4-BE49-F238E27FC236}">
+                <a16:creationId xmlns:a16="http://schemas.microsoft.com/office/drawing/2014/main" id="{D32FEC26-59E8-875B-6FC8-DAC68B3F1EA9}"/>
+              </a:ext>
+            </a:extLst>
+          </p:cNvPr>
+          <p:cNvPicPr>
+            <a:picLocks noChangeAspect="1"/>
+          </p:cNvPicPr>
+          <p:nvPr/>
+        </p:nvPicPr>
+        <p:blipFill>
+          <a:blip r:embed="rId2"/>
+          <a:stretch>
+            <a:fillRect/>
+          </a:stretch>
+        </p:blipFill>
+        <p:spPr>
+          <a:xfrm>
+            <a:off x="4271601" y="3163049"/>
+            <a:ext cx="3648799" cy="2687202"/>
+          </a:xfrm>
+          <a:prstGeom prst="rect">
+            <a:avLst/>
+          </a:prstGeom>
+        </p:spPr>
+      </p:pic>
+      <p:pic>
+        <p:nvPicPr>
+          <p:cNvPr id="9" name="Picture 8">
+            <a:extLst>
+              <a:ext uri="{FF2B5EF4-FFF2-40B4-BE49-F238E27FC236}">
+                <a16:creationId xmlns:a16="http://schemas.microsoft.com/office/drawing/2014/main" id="{A0D0DC3C-ED36-6404-37D8-5F6A6C840D8D}"/>
+              </a:ext>
+            </a:extLst>
+          </p:cNvPr>
+          <p:cNvPicPr>
+            <a:picLocks noChangeAspect="1"/>
+          </p:cNvPicPr>
+          <p:nvPr/>
+        </p:nvPicPr>
+        <p:blipFill>
+          <a:blip r:embed="rId3"/>
+          <a:stretch>
+            <a:fillRect/>
+          </a:stretch>
+        </p:blipFill>
+        <p:spPr>
+          <a:xfrm>
+            <a:off x="493432" y="3020612"/>
+            <a:ext cx="3553297" cy="2911454"/>
+          </a:xfrm>
+          <a:prstGeom prst="rect">
+            <a:avLst/>
+          </a:prstGeom>
+        </p:spPr>
+      </p:pic>
+      <p:pic>
+        <p:nvPicPr>
+          <p:cNvPr id="11" name="Picture 10">
+            <a:extLst>
+              <a:ext uri="{FF2B5EF4-FFF2-40B4-BE49-F238E27FC236}">
+                <a16:creationId xmlns:a16="http://schemas.microsoft.com/office/drawing/2014/main" id="{EE372298-34F8-FD85-054E-A943F47A3BFD}"/>
+              </a:ext>
+            </a:extLst>
+          </p:cNvPr>
+          <p:cNvPicPr>
+            <a:picLocks noChangeAspect="1"/>
+          </p:cNvPicPr>
+          <p:nvPr/>
+        </p:nvPicPr>
+        <p:blipFill>
+          <a:blip r:embed="rId4"/>
+          <a:stretch>
+            <a:fillRect/>
+          </a:stretch>
+        </p:blipFill>
+        <p:spPr>
+          <a:xfrm>
+            <a:off x="8037850" y="3163049"/>
+            <a:ext cx="3553297" cy="2842638"/>
+          </a:xfrm>
+          <a:prstGeom prst="rect">
+            <a:avLst/>
+          </a:prstGeom>
+        </p:spPr>
+      </p:pic>
+    </p:spTree>
+    <p:extLst>
+      <p:ext uri="{BB962C8B-B14F-4D97-AF65-F5344CB8AC3E}">
+        <p14:creationId xmlns:p14="http://schemas.microsoft.com/office/powerpoint/2010/main" val="3295622502"/>
+      </p:ext>
+    </p:extLst>
+  </p:cSld>
+  <p:clrMapOvr>
+    <a:masterClrMapping/>
+  </p:clrMapOvr>
+</p:sld>
+</file>
+
+<file path=ppt/slides/slide7.xml><?xml version="1.0" encoding="utf-8"?>
+<p:sld xmlns:a="http://schemas.openxmlformats.org/drawingml/2006/main" xmlns:r="http://schemas.openxmlformats.org/officeDocument/2006/relationships" xmlns:p="http://schemas.openxmlformats.org/presentationml/2006/main">
+  <p:cSld>
+    <p:spTree>
+      <p:nvGrpSpPr>
+        <p:cNvPr id="1" name=""/>
+        <p:cNvGrpSpPr/>
+        <p:nvPr/>
+      </p:nvGrpSpPr>
+      <p:grpSpPr>
+        <a:xfrm>
+          <a:off x="0" y="0"/>
+          <a:ext cx="0" cy="0"/>
+          <a:chOff x="0" y="0"/>
+          <a:chExt cx="0" cy="0"/>
+        </a:xfrm>
+      </p:grpSpPr>
+      <p:sp>
+        <p:nvSpPr>
+          <p:cNvPr id="2" name="Title 1">
+            <a:extLst>
+              <a:ext uri="{FF2B5EF4-FFF2-40B4-BE49-F238E27FC236}">
+                <a16:creationId xmlns:a16="http://schemas.microsoft.com/office/drawing/2014/main" id="{A3E5AD32-2BF4-A76D-607F-3633BB430573}"/>
+              </a:ext>
+            </a:extLst>
+          </p:cNvPr>
+          <p:cNvSpPr>
+            <a:spLocks noGrp="1"/>
+          </p:cNvSpPr>
+          <p:nvPr>
+            <p:ph type="title"/>
+          </p:nvPr>
+        </p:nvSpPr>
+        <p:spPr>
+          <a:xfrm>
+            <a:off x="841248" y="510047"/>
+            <a:ext cx="3300984" cy="1645920"/>
+          </a:xfrm>
+        </p:spPr>
+        <p:style>
+          <a:lnRef idx="1">
+            <a:schemeClr val="accent1"/>
+          </a:lnRef>
+          <a:fillRef idx="2">
+            <a:schemeClr val="accent1"/>
+          </a:fillRef>
+          <a:effectRef idx="1">
+            <a:schemeClr val="accent1"/>
+          </a:effectRef>
+          <a:fontRef idx="minor">
+            <a:schemeClr val="dk1"/>
+          </a:fontRef>
+        </p:style>
+        <p:txBody>
+          <a:bodyPr>
+            <a:normAutofit/>
+          </a:bodyPr>
+          <a:lstStyle/>
+          <a:p>
+            <a:r>
+              <a:rPr lang="en-US" sz="2800" dirty="0"/>
+              <a:t>  Algorithms Implemented and Theirs Best Results</a:t>
+            </a:r>
+          </a:p>
+        </p:txBody>
+      </p:sp>
+      <p:sp>
+        <p:nvSpPr>
+          <p:cNvPr id="3" name="Content Placeholder 2">
+            <a:extLst>
+              <a:ext uri="{FF2B5EF4-FFF2-40B4-BE49-F238E27FC236}">
+                <a16:creationId xmlns:a16="http://schemas.microsoft.com/office/drawing/2014/main" id="{C9FF7FA9-CD0D-E0F8-F302-B0E747AF24A9}"/>
+              </a:ext>
+            </a:extLst>
+          </p:cNvPr>
+          <p:cNvSpPr>
+            <a:spLocks noGrp="1"/>
+          </p:cNvSpPr>
+          <p:nvPr>
+            <p:ph idx="1"/>
+          </p:nvPr>
+        </p:nvSpPr>
+        <p:spPr>
+          <a:xfrm>
+            <a:off x="4581144" y="510047"/>
+            <a:ext cx="6858000" cy="1645920"/>
+          </a:xfrm>
+        </p:spPr>
+        <p:txBody>
+          <a:bodyPr anchor="ctr">
+            <a:normAutofit/>
+          </a:bodyPr>
+          <a:lstStyle/>
+          <a:p>
+            <a:pPr marL="0" indent="0">
+              <a:buNone/>
+            </a:pPr>
+            <a:r>
+              <a:rPr lang="en-US" sz="2400" b="1" dirty="0"/>
+              <a:t>K Neighbors Classifier:</a:t>
+            </a:r>
+          </a:p>
+          <a:p>
+            <a:pPr lvl="1"/>
+            <a:r>
+              <a:rPr lang="en-US" sz="1800" dirty="0"/>
+              <a:t>Best input -&gt; all features (17 features) </a:t>
+            </a:r>
+          </a:p>
+        </p:txBody>
+      </p:sp>
+      <p:sp>
+        <p:nvSpPr>
+          <p:cNvPr id="16" name="TextBox 15">
+            <a:extLst>
+              <a:ext uri="{FF2B5EF4-FFF2-40B4-BE49-F238E27FC236}">
+                <a16:creationId xmlns:a16="http://schemas.microsoft.com/office/drawing/2014/main" id="{E2CB179A-D512-7F06-5923-CC50915F3C3F}"/>
+              </a:ext>
+            </a:extLst>
+          </p:cNvPr>
+          <p:cNvSpPr txBox="1"/>
+          <p:nvPr/>
+        </p:nvSpPr>
+        <p:spPr>
+          <a:xfrm>
+            <a:off x="618424" y="2585692"/>
+            <a:ext cx="2690801" cy="369332"/>
+          </a:xfrm>
+          <a:prstGeom prst="rect">
+            <a:avLst/>
+          </a:prstGeom>
+          <a:noFill/>
+        </p:spPr>
+        <p:txBody>
+          <a:bodyPr wrap="none" rtlCol="0">
+            <a:spAutoFit/>
+          </a:bodyPr>
+          <a:lstStyle/>
+          <a:p>
+            <a:r>
+              <a:rPr lang="en-US" dirty="0"/>
+              <a:t>Cross Validation Histogram</a:t>
+            </a:r>
+          </a:p>
+        </p:txBody>
+      </p:sp>
+      <p:sp>
+        <p:nvSpPr>
+          <p:cNvPr id="18" name="TextBox 17">
+            <a:extLst>
+              <a:ext uri="{FF2B5EF4-FFF2-40B4-BE49-F238E27FC236}">
+                <a16:creationId xmlns:a16="http://schemas.microsoft.com/office/drawing/2014/main" id="{BA82D5FB-11B7-A403-6412-D56257B8A670}"/>
+              </a:ext>
+            </a:extLst>
+          </p:cNvPr>
+          <p:cNvSpPr txBox="1"/>
+          <p:nvPr/>
+        </p:nvSpPr>
+        <p:spPr>
+          <a:xfrm>
+            <a:off x="4369174" y="2585692"/>
+            <a:ext cx="2608727" cy="369332"/>
+          </a:xfrm>
+          <a:prstGeom prst="rect">
+            <a:avLst/>
+          </a:prstGeom>
+          <a:noFill/>
+        </p:spPr>
+        <p:txBody>
+          <a:bodyPr wrap="none" rtlCol="0">
+            <a:spAutoFit/>
+          </a:bodyPr>
+          <a:lstStyle/>
+          <a:p>
+            <a:r>
+              <a:rPr lang="en-US" dirty="0"/>
+              <a:t>1000 iterations Histogram</a:t>
+            </a:r>
+          </a:p>
+        </p:txBody>
+      </p:sp>
+      <p:sp>
+        <p:nvSpPr>
+          <p:cNvPr id="19" name="TextBox 18">
+            <a:extLst>
+              <a:ext uri="{FF2B5EF4-FFF2-40B4-BE49-F238E27FC236}">
+                <a16:creationId xmlns:a16="http://schemas.microsoft.com/office/drawing/2014/main" id="{76B2C4E0-33F4-F62D-732F-35754112C420}"/>
+              </a:ext>
+            </a:extLst>
+          </p:cNvPr>
+          <p:cNvSpPr txBox="1"/>
+          <p:nvPr/>
+        </p:nvSpPr>
+        <p:spPr>
+          <a:xfrm>
+            <a:off x="8037850" y="2585517"/>
+            <a:ext cx="1797030" cy="369332"/>
+          </a:xfrm>
+          <a:prstGeom prst="rect">
+            <a:avLst/>
+          </a:prstGeom>
+          <a:noFill/>
+        </p:spPr>
+        <p:txBody>
+          <a:bodyPr wrap="none" rtlCol="0">
+            <a:spAutoFit/>
+          </a:bodyPr>
+          <a:lstStyle/>
+          <a:p>
+            <a:r>
+              <a:rPr lang="en-US" dirty="0"/>
+              <a:t>Confusion Matrix</a:t>
+            </a:r>
+          </a:p>
+        </p:txBody>
+      </p:sp>
+      <p:pic>
+        <p:nvPicPr>
+          <p:cNvPr id="6" name="Picture 5">
+            <a:extLst>
+              <a:ext uri="{FF2B5EF4-FFF2-40B4-BE49-F238E27FC236}">
+                <a16:creationId xmlns:a16="http://schemas.microsoft.com/office/drawing/2014/main" id="{E88AB5DA-E5F5-80B8-56B2-B1723D037F71}"/>
+              </a:ext>
+            </a:extLst>
+          </p:cNvPr>
+          <p:cNvPicPr>
+            <a:picLocks noChangeAspect="1"/>
+          </p:cNvPicPr>
+          <p:nvPr/>
+        </p:nvPicPr>
+        <p:blipFill>
+          <a:blip r:embed="rId2"/>
+          <a:stretch>
+            <a:fillRect/>
+          </a:stretch>
+        </p:blipFill>
+        <p:spPr>
+          <a:xfrm>
+            <a:off x="4351995" y="3163049"/>
+            <a:ext cx="3488010" cy="2608263"/>
+          </a:xfrm>
+          <a:prstGeom prst="rect">
+            <a:avLst/>
+          </a:prstGeom>
+        </p:spPr>
+      </p:pic>
+      <p:pic>
+        <p:nvPicPr>
+          <p:cNvPr id="9" name="Picture 8">
+            <a:extLst>
+              <a:ext uri="{FF2B5EF4-FFF2-40B4-BE49-F238E27FC236}">
+                <a16:creationId xmlns:a16="http://schemas.microsoft.com/office/drawing/2014/main" id="{49FD35D5-F24F-3552-87F7-9F5189A50C7A}"/>
+              </a:ext>
+            </a:extLst>
+          </p:cNvPr>
+          <p:cNvPicPr>
+            <a:picLocks noChangeAspect="1"/>
+          </p:cNvPicPr>
+          <p:nvPr/>
+        </p:nvPicPr>
+        <p:blipFill>
+          <a:blip r:embed="rId3"/>
+          <a:stretch>
+            <a:fillRect/>
+          </a:stretch>
+        </p:blipFill>
+        <p:spPr>
+          <a:xfrm>
+            <a:off x="467831" y="3002697"/>
+            <a:ext cx="3674401" cy="2928966"/>
+          </a:xfrm>
+          <a:prstGeom prst="rect">
+            <a:avLst/>
+          </a:prstGeom>
+        </p:spPr>
+      </p:pic>
+      <p:pic>
+        <p:nvPicPr>
+          <p:cNvPr id="11" name="Picture 10">
+            <a:extLst>
+              <a:ext uri="{FF2B5EF4-FFF2-40B4-BE49-F238E27FC236}">
+                <a16:creationId xmlns:a16="http://schemas.microsoft.com/office/drawing/2014/main" id="{287FAA8F-62B6-C44A-9B60-F356378D0B98}"/>
+              </a:ext>
+            </a:extLst>
+          </p:cNvPr>
+          <p:cNvPicPr>
+            <a:picLocks noChangeAspect="1"/>
+          </p:cNvPicPr>
+          <p:nvPr/>
+        </p:nvPicPr>
+        <p:blipFill>
+          <a:blip r:embed="rId4"/>
+          <a:stretch>
+            <a:fillRect/>
+          </a:stretch>
+        </p:blipFill>
+        <p:spPr>
+          <a:xfrm>
+            <a:off x="8010144" y="3163049"/>
+            <a:ext cx="3429000" cy="2702628"/>
+          </a:xfrm>
+          <a:prstGeom prst="rect">
+            <a:avLst/>
+          </a:prstGeom>
+        </p:spPr>
+      </p:pic>
+    </p:spTree>
+    <p:extLst>
+      <p:ext uri="{BB962C8B-B14F-4D97-AF65-F5344CB8AC3E}">
+        <p14:creationId xmlns:p14="http://schemas.microsoft.com/office/powerpoint/2010/main" val="3993840726"/>
+      </p:ext>
+    </p:extLst>
+  </p:cSld>
+  <p:clrMapOvr>
+    <a:masterClrMapping/>
+  </p:clrMapOvr>
+</p:sld>
+</file>
+
+<file path=ppt/slides/slide8.xml><?xml version="1.0" encoding="utf-8"?>
 <p:sld xmlns:a="http://schemas.openxmlformats.org/drawingml/2006/main" xmlns:r="http://schemas.openxmlformats.org/officeDocument/2006/relationships" xmlns:p="http://schemas.openxmlformats.org/presentationml/2006/main">
   <p:cSld>
     <p:bg>
@@ -5842,8 +7961,13 @@
           <a:p>
             <a:r>
               <a:rPr lang="en-US" sz="4800" dirty="0"/>
-              <a:t>  Work Implemented</a:t>
-            </a:r>
+              <a:t> </a:t>
+            </a:r>
+            <a:r>
+              <a:rPr lang="en-US" sz="3600" dirty="0"/>
+              <a:t>Algorithms Implemented and Theirs Best Results</a:t>
+            </a:r>
+            <a:endParaRPr lang="en-US" sz="4800" dirty="0"/>
           </a:p>
         </p:txBody>
       </p:sp>
@@ -5865,7 +7989,7 @@
         </p:nvSpPr>
         <p:spPr>
           <a:xfrm>
-            <a:off x="1045028" y="3017522"/>
+            <a:off x="1045028" y="3026666"/>
             <a:ext cx="9941319" cy="3124658"/>
           </a:xfrm>
         </p:spPr>
@@ -5879,36 +8003,62 @@
               <a:buNone/>
             </a:pPr>
             <a:r>
-              <a:rPr lang="en-US" sz="2400" dirty="0"/>
-              <a:t>	In this phase, we have already implemented every algorithm described in the introduction of the project and we already cleaned the dataset as we talked in the previous slide.</a:t>
-            </a:r>
-            <a:br>
-              <a:rPr lang="en-US" sz="2400" dirty="0"/>
-            </a:br>
-            <a:r>
-              <a:rPr lang="en-US" sz="2400" dirty="0"/>
-              <a:t>	The dataset was decreased from 2111 rows to 1941 and the best algorithm with an accuracy of 93% is the </a:t>
-            </a:r>
-            <a:r>
-              <a:rPr lang="en-US" sz="2400" dirty="0" err="1"/>
-              <a:t>DecisionTreeClassifier</a:t>
-            </a:r>
-            <a:r>
-              <a:rPr lang="en-US" sz="2400" dirty="0"/>
-              <a:t> and 88% on the </a:t>
-            </a:r>
-            <a:r>
-              <a:rPr lang="en-US" sz="2400" dirty="0" err="1"/>
-              <a:t>KNeighborsClassifier</a:t>
-            </a:r>
-            <a:r>
-              <a:rPr lang="en-US" sz="2400"/>
-              <a:t>. An </a:t>
-            </a:r>
-            <a:r>
-              <a:rPr lang="en-US" sz="2400" dirty="0"/>
-              <a:t>analysis of the errors generated by each classifier remains to be conducted.</a:t>
-            </a:r>
+              <a:rPr lang="en-US" sz="2000" b="1" dirty="0"/>
+              <a:t>Grid Search:</a:t>
+            </a:r>
+          </a:p>
+          <a:p>
+            <a:pPr lvl="1"/>
+            <a:r>
+              <a:rPr lang="en-US" sz="1600" dirty="0"/>
+              <a:t>Decision Tree Classifier with 17 features</a:t>
+            </a:r>
+          </a:p>
+          <a:p>
+            <a:pPr lvl="1"/>
+            <a:endParaRPr lang="en-US" sz="1600" dirty="0"/>
+          </a:p>
+          <a:p>
+            <a:pPr marL="457200" lvl="1" indent="0">
+              <a:buNone/>
+            </a:pPr>
+            <a:endParaRPr lang="en-US" sz="1600" dirty="0"/>
+          </a:p>
+          <a:p>
+            <a:pPr lvl="1"/>
+            <a:r>
+              <a:rPr lang="en-US" sz="1600" dirty="0"/>
+              <a:t>Support Vector Machine with 12 features</a:t>
+            </a:r>
+          </a:p>
+          <a:p>
+            <a:pPr marL="457200" lvl="1" indent="0">
+              <a:buNone/>
+            </a:pPr>
+            <a:endParaRPr lang="en-US" sz="1600" dirty="0"/>
+          </a:p>
+          <a:p>
+            <a:pPr lvl="1"/>
+            <a:endParaRPr lang="en-US" sz="1600" dirty="0"/>
+          </a:p>
+          <a:p>
+            <a:pPr lvl="1"/>
+            <a:r>
+              <a:rPr lang="en-US" sz="1600" dirty="0"/>
+              <a:t>K Neighbors Classifier with 17 features</a:t>
+            </a:r>
+          </a:p>
+          <a:p>
+            <a:pPr marL="457200" lvl="1" indent="0">
+              <a:buNone/>
+            </a:pPr>
+            <a:endParaRPr lang="en-US" sz="1600" dirty="0"/>
+          </a:p>
+          <a:p>
+            <a:pPr marL="457200" lvl="1" indent="0">
+              <a:buNone/>
+            </a:pPr>
+            <a:endParaRPr lang="en-US" sz="1600" dirty="0"/>
           </a:p>
         </p:txBody>
       </p:sp>
@@ -5964,10 +8114,631 @@
           </a:fontRef>
         </p:style>
       </p:cxnSp>
+      <p:pic>
+        <p:nvPicPr>
+          <p:cNvPr id="14" name="Picture 13">
+            <a:extLst>
+              <a:ext uri="{FF2B5EF4-FFF2-40B4-BE49-F238E27FC236}">
+                <a16:creationId xmlns:a16="http://schemas.microsoft.com/office/drawing/2014/main" id="{48DE23D3-E44D-42EA-7E15-ACF3AEDA5986}"/>
+              </a:ext>
+            </a:extLst>
+          </p:cNvPr>
+          <p:cNvPicPr>
+            <a:picLocks noChangeAspect="1"/>
+          </p:cNvPicPr>
+          <p:nvPr/>
+        </p:nvPicPr>
+        <p:blipFill>
+          <a:blip r:embed="rId2"/>
+          <a:stretch>
+            <a:fillRect/>
+          </a:stretch>
+        </p:blipFill>
+        <p:spPr>
+          <a:xfrm>
+            <a:off x="1762564" y="3763825"/>
+            <a:ext cx="5542883" cy="472853"/>
+          </a:xfrm>
+          <a:prstGeom prst="rect">
+            <a:avLst/>
+          </a:prstGeom>
+        </p:spPr>
+      </p:pic>
+      <p:pic>
+        <p:nvPicPr>
+          <p:cNvPr id="18" name="Picture 17">
+            <a:extLst>
+              <a:ext uri="{FF2B5EF4-FFF2-40B4-BE49-F238E27FC236}">
+                <a16:creationId xmlns:a16="http://schemas.microsoft.com/office/drawing/2014/main" id="{EECFEB1B-FF0F-E1ED-D4ED-20732153085E}"/>
+              </a:ext>
+            </a:extLst>
+          </p:cNvPr>
+          <p:cNvPicPr>
+            <a:picLocks noChangeAspect="1"/>
+          </p:cNvPicPr>
+          <p:nvPr/>
+        </p:nvPicPr>
+        <p:blipFill>
+          <a:blip r:embed="rId3"/>
+          <a:stretch>
+            <a:fillRect/>
+          </a:stretch>
+        </p:blipFill>
+        <p:spPr>
+          <a:xfrm>
+            <a:off x="1762564" y="4604921"/>
+            <a:ext cx="5542882" cy="447787"/>
+          </a:xfrm>
+          <a:prstGeom prst="rect">
+            <a:avLst/>
+          </a:prstGeom>
+        </p:spPr>
+      </p:pic>
+      <p:pic>
+        <p:nvPicPr>
+          <p:cNvPr id="20" name="Picture 19">
+            <a:extLst>
+              <a:ext uri="{FF2B5EF4-FFF2-40B4-BE49-F238E27FC236}">
+                <a16:creationId xmlns:a16="http://schemas.microsoft.com/office/drawing/2014/main" id="{C7BC8A6A-CCD5-F84A-D944-37C8B6E9F926}"/>
+              </a:ext>
+            </a:extLst>
+          </p:cNvPr>
+          <p:cNvPicPr>
+            <a:picLocks noChangeAspect="1"/>
+          </p:cNvPicPr>
+          <p:nvPr/>
+        </p:nvPicPr>
+        <p:blipFill>
+          <a:blip r:embed="rId4"/>
+          <a:stretch>
+            <a:fillRect/>
+          </a:stretch>
+        </p:blipFill>
+        <p:spPr>
+          <a:xfrm>
+            <a:off x="1762563" y="5455490"/>
+            <a:ext cx="5542882" cy="408197"/>
+          </a:xfrm>
+          <a:prstGeom prst="rect">
+            <a:avLst/>
+          </a:prstGeom>
+        </p:spPr>
+      </p:pic>
     </p:spTree>
     <p:extLst>
       <p:ext uri="{BB962C8B-B14F-4D97-AF65-F5344CB8AC3E}">
-        <p14:creationId xmlns:p14="http://schemas.microsoft.com/office/powerpoint/2010/main" val="2068101650"/>
+        <p14:creationId xmlns:p14="http://schemas.microsoft.com/office/powerpoint/2010/main" val="2390206607"/>
+      </p:ext>
+    </p:extLst>
+  </p:cSld>
+  <p:clrMapOvr>
+    <a:masterClrMapping/>
+  </p:clrMapOvr>
+</p:sld>
+</file>
+
+<file path=ppt/slides/slide9.xml><?xml version="1.0" encoding="utf-8"?>
+<p:sld xmlns:a="http://schemas.openxmlformats.org/drawingml/2006/main" xmlns:r="http://schemas.openxmlformats.org/officeDocument/2006/relationships" xmlns:p="http://schemas.openxmlformats.org/presentationml/2006/main">
+  <p:cSld>
+    <p:bg>
+      <p:bgPr>
+        <a:solidFill>
+          <a:schemeClr val="bg1"/>
+        </a:solidFill>
+        <a:effectLst/>
+      </p:bgPr>
+    </p:bg>
+    <p:spTree>
+      <p:nvGrpSpPr>
+        <p:cNvPr id="1" name=""/>
+        <p:cNvGrpSpPr/>
+        <p:nvPr/>
+      </p:nvGrpSpPr>
+      <p:grpSpPr>
+        <a:xfrm>
+          <a:off x="0" y="0"/>
+          <a:ext cx="0" cy="0"/>
+          <a:chOff x="0" y="0"/>
+          <a:chExt cx="0" cy="0"/>
+        </a:xfrm>
+      </p:grpSpPr>
+      <p:sp useBgFill="1">
+        <p:nvSpPr>
+          <p:cNvPr id="8" name="Rectangle 7">
+            <a:extLst>
+              <a:ext uri="{FF2B5EF4-FFF2-40B4-BE49-F238E27FC236}">
+                <a16:creationId xmlns:a16="http://schemas.microsoft.com/office/drawing/2014/main" id="{B6CDA21F-E7AF-4C75-8395-33F58D5B0E45}"/>
+              </a:ext>
+              <a:ext uri="{C183D7F6-B498-43B3-948B-1728B52AA6E4}">
+                <adec:decorative xmlns:adec="http://schemas.microsoft.com/office/drawing/2017/decorative" val="1"/>
+              </a:ext>
+            </a:extLst>
+          </p:cNvPr>
+          <p:cNvSpPr>
+            <a:spLocks noGrp="1" noRot="1" noChangeAspect="1" noMove="1" noResize="1" noEditPoints="1" noAdjustHandles="1" noChangeArrowheads="1" noChangeShapeType="1" noTextEdit="1"/>
+          </p:cNvSpPr>
+          <p:nvPr>
+            <p:extLst>
+              <p:ext uri="{386F3935-93C4-4BCD-93E2-E3B085C9AB24}">
+                <p16:designElem xmlns:p16="http://schemas.microsoft.com/office/powerpoint/2015/main" val="1"/>
+              </p:ext>
+            </p:extLst>
+          </p:nvPr>
+        </p:nvSpPr>
+        <p:spPr>
+          <a:xfrm>
+            <a:off x="0" y="0"/>
+            <a:ext cx="12191999" cy="6857365"/>
+          </a:xfrm>
+          <a:prstGeom prst="rect">
+            <a:avLst/>
+          </a:prstGeom>
+          <a:ln>
+            <a:noFill/>
+          </a:ln>
+        </p:spPr>
+        <p:style>
+          <a:lnRef idx="2">
+            <a:schemeClr val="accent1">
+              <a:shade val="50000"/>
+            </a:schemeClr>
+          </a:lnRef>
+          <a:fillRef idx="1">
+            <a:schemeClr val="accent1"/>
+          </a:fillRef>
+          <a:effectRef idx="0">
+            <a:schemeClr val="accent1"/>
+          </a:effectRef>
+          <a:fontRef idx="minor">
+            <a:schemeClr val="lt1"/>
+          </a:fontRef>
+        </p:style>
+        <p:txBody>
+          <a:bodyPr rtlCol="0" anchor="ctr"/>
+          <a:lstStyle/>
+          <a:p>
+            <a:pPr algn="ctr"/>
+            <a:endParaRPr lang="en-US"/>
+          </a:p>
+        </p:txBody>
+      </p:sp>
+      <p:grpSp>
+        <p:nvGrpSpPr>
+          <p:cNvPr id="10" name="Group 9">
+            <a:extLst>
+              <a:ext uri="{FF2B5EF4-FFF2-40B4-BE49-F238E27FC236}">
+                <a16:creationId xmlns:a16="http://schemas.microsoft.com/office/drawing/2014/main" id="{AE1C45F0-260A-458C-96ED-C1F6D2151219}"/>
+              </a:ext>
+              <a:ext uri="{C183D7F6-B498-43B3-948B-1728B52AA6E4}">
+                <adec:decorative xmlns:adec="http://schemas.microsoft.com/office/drawing/2017/decorative" val="1"/>
+              </a:ext>
+            </a:extLst>
+          </p:cNvPr>
+          <p:cNvGrpSpPr>
+            <a:grpSpLocks noGrp="1" noUngrp="1" noRot="1" noChangeAspect="1" noMove="1" noResize="1"/>
+          </p:cNvGrpSpPr>
+          <p:nvPr>
+            <p:extLst>
+              <p:ext uri="{386F3935-93C4-4BCD-93E2-E3B085C9AB24}">
+                <p16:designElem xmlns:p16="http://schemas.microsoft.com/office/powerpoint/2015/main" val="1"/>
+              </p:ext>
+            </p:extLst>
+          </p:nvPr>
+        </p:nvGrpSpPr>
+        <p:grpSpPr>
+          <a:xfrm>
+            <a:off x="4" y="1216597"/>
+            <a:ext cx="731521" cy="673460"/>
+            <a:chOff x="3940602" y="308034"/>
+            <a:chExt cx="2116791" cy="3428999"/>
+          </a:xfrm>
+          <a:solidFill>
+            <a:schemeClr val="accent4"/>
+          </a:solidFill>
+        </p:grpSpPr>
+        <p:sp>
+          <p:nvSpPr>
+            <p:cNvPr id="11" name="Rectangle 10">
+              <a:extLst>
+                <a:ext uri="{FF2B5EF4-FFF2-40B4-BE49-F238E27FC236}">
+                  <a16:creationId xmlns:a16="http://schemas.microsoft.com/office/drawing/2014/main" id="{A6604B49-AD5C-4590-B051-06C8222ECD99}"/>
+                </a:ext>
+                <a:ext uri="{C183D7F6-B498-43B3-948B-1728B52AA6E4}">
+                  <adec:decorative xmlns:adec="http://schemas.microsoft.com/office/drawing/2017/decorative" val="1"/>
+                </a:ext>
+              </a:extLst>
+            </p:cNvPr>
+            <p:cNvSpPr/>
+            <p:nvPr>
+              <p:extLst>
+                <p:ext uri="{386F3935-93C4-4BCD-93E2-E3B085C9AB24}">
+                  <p16:designElem xmlns:p16="http://schemas.microsoft.com/office/powerpoint/2015/main" val="1"/>
+                </p:ext>
+              </p:extLst>
+            </p:nvPr>
+          </p:nvSpPr>
+          <p:spPr>
+            <a:xfrm>
+              <a:off x="3940602" y="308034"/>
+              <a:ext cx="566743" cy="3428999"/>
+            </a:xfrm>
+            <a:prstGeom prst="rect">
+              <a:avLst/>
+            </a:prstGeom>
+            <a:grpFill/>
+            <a:ln>
+              <a:noFill/>
+            </a:ln>
+          </p:spPr>
+          <p:style>
+            <a:lnRef idx="2">
+              <a:schemeClr val="accent1">
+                <a:shade val="50000"/>
+              </a:schemeClr>
+            </a:lnRef>
+            <a:fillRef idx="1">
+              <a:schemeClr val="accent1"/>
+            </a:fillRef>
+            <a:effectRef idx="0">
+              <a:schemeClr val="accent1"/>
+            </a:effectRef>
+            <a:fontRef idx="minor">
+              <a:schemeClr val="lt1"/>
+            </a:fontRef>
+          </p:style>
+          <p:txBody>
+            <a:bodyPr rtlCol="0" anchor="ctr"/>
+            <a:lstStyle/>
+            <a:p>
+              <a:pPr algn="ctr"/>
+              <a:endParaRPr lang="en-US"/>
+            </a:p>
+          </p:txBody>
+        </p:sp>
+        <p:sp>
+          <p:nvSpPr>
+            <p:cNvPr id="12" name="Rectangle 11">
+              <a:extLst>
+                <a:ext uri="{FF2B5EF4-FFF2-40B4-BE49-F238E27FC236}">
+                  <a16:creationId xmlns:a16="http://schemas.microsoft.com/office/drawing/2014/main" id="{743ECCAF-29C5-4537-947C-7EA1292463DB}"/>
+                </a:ext>
+                <a:ext uri="{C183D7F6-B498-43B3-948B-1728B52AA6E4}">
+                  <adec:decorative xmlns:adec="http://schemas.microsoft.com/office/drawing/2017/decorative" val="1"/>
+                </a:ext>
+              </a:extLst>
+            </p:cNvPr>
+            <p:cNvSpPr/>
+            <p:nvPr>
+              <p:extLst>
+                <p:ext uri="{386F3935-93C4-4BCD-93E2-E3B085C9AB24}">
+                  <p16:designElem xmlns:p16="http://schemas.microsoft.com/office/powerpoint/2015/main" val="1"/>
+                </p:ext>
+              </p:extLst>
+            </p:nvPr>
+          </p:nvSpPr>
+          <p:spPr>
+            <a:xfrm>
+              <a:off x="4715626" y="308034"/>
+              <a:ext cx="566743" cy="3428999"/>
+            </a:xfrm>
+            <a:prstGeom prst="rect">
+              <a:avLst/>
+            </a:prstGeom>
+            <a:grpFill/>
+            <a:ln>
+              <a:noFill/>
+            </a:ln>
+          </p:spPr>
+          <p:style>
+            <a:lnRef idx="2">
+              <a:schemeClr val="accent1">
+                <a:shade val="50000"/>
+              </a:schemeClr>
+            </a:lnRef>
+            <a:fillRef idx="1">
+              <a:schemeClr val="accent1"/>
+            </a:fillRef>
+            <a:effectRef idx="0">
+              <a:schemeClr val="accent1"/>
+            </a:effectRef>
+            <a:fontRef idx="minor">
+              <a:schemeClr val="lt1"/>
+            </a:fontRef>
+          </p:style>
+          <p:txBody>
+            <a:bodyPr rtlCol="0" anchor="ctr"/>
+            <a:lstStyle/>
+            <a:p>
+              <a:pPr algn="ctr"/>
+              <a:endParaRPr lang="en-US"/>
+            </a:p>
+          </p:txBody>
+        </p:sp>
+        <p:sp>
+          <p:nvSpPr>
+            <p:cNvPr id="13" name="Rectangle 12">
+              <a:extLst>
+                <a:ext uri="{FF2B5EF4-FFF2-40B4-BE49-F238E27FC236}">
+                  <a16:creationId xmlns:a16="http://schemas.microsoft.com/office/drawing/2014/main" id="{ED49787B-8DE6-4467-AD0A-8DECC6E0C2D6}"/>
+                </a:ext>
+                <a:ext uri="{C183D7F6-B498-43B3-948B-1728B52AA6E4}">
+                  <adec:decorative xmlns:adec="http://schemas.microsoft.com/office/drawing/2017/decorative" val="1"/>
+                </a:ext>
+              </a:extLst>
+            </p:cNvPr>
+            <p:cNvSpPr/>
+            <p:nvPr>
+              <p:extLst>
+                <p:ext uri="{386F3935-93C4-4BCD-93E2-E3B085C9AB24}">
+                  <p16:designElem xmlns:p16="http://schemas.microsoft.com/office/powerpoint/2015/main" val="1"/>
+                </p:ext>
+              </p:extLst>
+            </p:nvPr>
+          </p:nvSpPr>
+          <p:spPr>
+            <a:xfrm>
+              <a:off x="5490650" y="308034"/>
+              <a:ext cx="566743" cy="3428999"/>
+            </a:xfrm>
+            <a:prstGeom prst="rect">
+              <a:avLst/>
+            </a:prstGeom>
+            <a:grpFill/>
+            <a:ln>
+              <a:noFill/>
+            </a:ln>
+          </p:spPr>
+          <p:style>
+            <a:lnRef idx="2">
+              <a:schemeClr val="accent1">
+                <a:shade val="50000"/>
+              </a:schemeClr>
+            </a:lnRef>
+            <a:fillRef idx="1">
+              <a:schemeClr val="accent1"/>
+            </a:fillRef>
+            <a:effectRef idx="0">
+              <a:schemeClr val="accent1"/>
+            </a:effectRef>
+            <a:fontRef idx="minor">
+              <a:schemeClr val="lt1"/>
+            </a:fontRef>
+          </p:style>
+          <p:txBody>
+            <a:bodyPr rtlCol="0" anchor="ctr"/>
+            <a:lstStyle/>
+            <a:p>
+              <a:pPr algn="ctr"/>
+              <a:endParaRPr lang="en-US"/>
+            </a:p>
+          </p:txBody>
+        </p:sp>
+      </p:grpSp>
+      <p:sp>
+        <p:nvSpPr>
+          <p:cNvPr id="15" name="Rectangle 14">
+            <a:extLst>
+              <a:ext uri="{FF2B5EF4-FFF2-40B4-BE49-F238E27FC236}">
+                <a16:creationId xmlns:a16="http://schemas.microsoft.com/office/drawing/2014/main" id="{D5B0017B-2ECA-49AF-B397-DC140825DF8D}"/>
+              </a:ext>
+              <a:ext uri="{C183D7F6-B498-43B3-948B-1728B52AA6E4}">
+                <adec:decorative xmlns:adec="http://schemas.microsoft.com/office/drawing/2017/decorative" val="1"/>
+              </a:ext>
+            </a:extLst>
+          </p:cNvPr>
+          <p:cNvSpPr>
+            <a:spLocks noGrp="1" noRot="1" noChangeAspect="1" noMove="1" noResize="1" noEditPoints="1" noAdjustHandles="1" noChangeArrowheads="1" noChangeShapeType="1" noTextEdit="1"/>
+          </p:cNvSpPr>
+          <p:nvPr>
+            <p:extLst>
+              <p:ext uri="{386F3935-93C4-4BCD-93E2-E3B085C9AB24}">
+                <p16:designElem xmlns:p16="http://schemas.microsoft.com/office/powerpoint/2015/main" val="1"/>
+              </p:ext>
+            </p:extLst>
+          </p:nvPr>
+        </p:nvSpPr>
+        <p:spPr>
+          <a:xfrm>
+            <a:off x="640079" y="613954"/>
+            <a:ext cx="10907487" cy="1894116"/>
+          </a:xfrm>
+          <a:prstGeom prst="rect">
+            <a:avLst/>
+          </a:prstGeom>
+          <a:solidFill>
+            <a:schemeClr val="bg1"/>
+          </a:solidFill>
+          <a:ln>
+            <a:noFill/>
+          </a:ln>
+          <a:effectLst>
+            <a:outerShdw blurRad="139700" dist="127000" dir="5400000" algn="t" rotWithShape="0">
+              <a:prstClr val="black">
+                <a:alpha val="15000"/>
+              </a:prstClr>
+            </a:outerShdw>
+          </a:effectLst>
+        </p:spPr>
+        <p:style>
+          <a:lnRef idx="2">
+            <a:schemeClr val="accent1">
+              <a:shade val="50000"/>
+            </a:schemeClr>
+          </a:lnRef>
+          <a:fillRef idx="1">
+            <a:schemeClr val="accent1"/>
+          </a:fillRef>
+          <a:effectRef idx="0">
+            <a:schemeClr val="accent1"/>
+          </a:effectRef>
+          <a:fontRef idx="minor">
+            <a:schemeClr val="lt1"/>
+          </a:fontRef>
+        </p:style>
+        <p:txBody>
+          <a:bodyPr rtlCol="0" anchor="ctr"/>
+          <a:lstStyle/>
+          <a:p>
+            <a:pPr algn="ctr"/>
+            <a:endParaRPr lang="en-US"/>
+          </a:p>
+        </p:txBody>
+      </p:sp>
+      <p:sp>
+        <p:nvSpPr>
+          <p:cNvPr id="2" name="Title 1">
+            <a:extLst>
+              <a:ext uri="{FF2B5EF4-FFF2-40B4-BE49-F238E27FC236}">
+                <a16:creationId xmlns:a16="http://schemas.microsoft.com/office/drawing/2014/main" id="{A3E5AD32-2BF4-A76D-607F-3633BB430573}"/>
+              </a:ext>
+            </a:extLst>
+          </p:cNvPr>
+          <p:cNvSpPr>
+            <a:spLocks noGrp="1"/>
+          </p:cNvSpPr>
+          <p:nvPr>
+            <p:ph type="title"/>
+          </p:nvPr>
+        </p:nvSpPr>
+        <p:spPr>
+          <a:xfrm>
+            <a:off x="1043631" y="809898"/>
+            <a:ext cx="9942716" cy="1554480"/>
+          </a:xfrm>
+        </p:spPr>
+        <p:style>
+          <a:lnRef idx="1">
+            <a:schemeClr val="accent1"/>
+          </a:lnRef>
+          <a:fillRef idx="2">
+            <a:schemeClr val="accent1"/>
+          </a:fillRef>
+          <a:effectRef idx="1">
+            <a:schemeClr val="accent1"/>
+          </a:effectRef>
+          <a:fontRef idx="minor">
+            <a:schemeClr val="dk1"/>
+          </a:fontRef>
+        </p:style>
+        <p:txBody>
+          <a:bodyPr anchor="ctr">
+            <a:normAutofit/>
+          </a:bodyPr>
+          <a:lstStyle/>
+          <a:p>
+            <a:r>
+              <a:rPr lang="en-US" sz="4800" dirty="0"/>
+              <a:t> </a:t>
+            </a:r>
+            <a:r>
+              <a:rPr lang="en-US" sz="3600" dirty="0"/>
+              <a:t>Conclusions</a:t>
+            </a:r>
+            <a:endParaRPr lang="en-US" sz="4800" dirty="0"/>
+          </a:p>
+        </p:txBody>
+      </p:sp>
+      <p:cxnSp>
+        <p:nvCxnSpPr>
+          <p:cNvPr id="17" name="Straight Connector 16">
+            <a:extLst>
+              <a:ext uri="{FF2B5EF4-FFF2-40B4-BE49-F238E27FC236}">
+                <a16:creationId xmlns:a16="http://schemas.microsoft.com/office/drawing/2014/main" id="{6CF1BAF6-AD41-4082-B212-8A1F9A2E8779}"/>
+              </a:ext>
+              <a:ext uri="{C183D7F6-B498-43B3-948B-1728B52AA6E4}">
+                <adec:decorative xmlns:adec="http://schemas.microsoft.com/office/drawing/2017/decorative" val="1"/>
+              </a:ext>
+            </a:extLst>
+          </p:cNvPr>
+          <p:cNvCxnSpPr>
+            <a:cxnSpLocks noGrp="1" noRot="1" noChangeAspect="1" noMove="1" noResize="1" noEditPoints="1" noAdjustHandles="1" noChangeArrowheads="1" noChangeShapeType="1"/>
+          </p:cNvCxnSpPr>
+          <p:nvPr>
+            <p:extLst>
+              <p:ext uri="{386F3935-93C4-4BCD-93E2-E3B085C9AB24}">
+                <p16:designElem xmlns:p16="http://schemas.microsoft.com/office/powerpoint/2015/main" val="1"/>
+              </p:ext>
+            </p:extLst>
+          </p:nvPr>
+        </p:nvCxnSpPr>
+        <p:spPr>
+          <a:xfrm flipH="1">
+            <a:off x="838200" y="6485313"/>
+            <a:ext cx="10515600" cy="0"/>
+          </a:xfrm>
+          <a:prstGeom prst="line">
+            <a:avLst/>
+          </a:prstGeom>
+          <a:ln w="57150">
+            <a:solidFill>
+              <a:schemeClr val="accent4"/>
+            </a:solidFill>
+          </a:ln>
+        </p:spPr>
+        <p:style>
+          <a:lnRef idx="1">
+            <a:schemeClr val="accent1"/>
+          </a:lnRef>
+          <a:fillRef idx="0">
+            <a:schemeClr val="accent1"/>
+          </a:fillRef>
+          <a:effectRef idx="0">
+            <a:schemeClr val="accent1"/>
+          </a:effectRef>
+          <a:fontRef idx="minor">
+            <a:schemeClr val="tx1"/>
+          </a:fontRef>
+        </p:style>
+      </p:cxnSp>
+      <p:sp>
+        <p:nvSpPr>
+          <p:cNvPr id="5" name="TextBox 4">
+            <a:extLst>
+              <a:ext uri="{FF2B5EF4-FFF2-40B4-BE49-F238E27FC236}">
+                <a16:creationId xmlns:a16="http://schemas.microsoft.com/office/drawing/2014/main" id="{132D5312-B318-FCCF-F0B0-ED31E56D2BCC}"/>
+              </a:ext>
+            </a:extLst>
+          </p:cNvPr>
+          <p:cNvSpPr txBox="1"/>
+          <p:nvPr/>
+        </p:nvSpPr>
+        <p:spPr>
+          <a:xfrm>
+            <a:off x="1043630" y="3231620"/>
+            <a:ext cx="10066330" cy="2585323"/>
+          </a:xfrm>
+          <a:prstGeom prst="rect">
+            <a:avLst/>
+          </a:prstGeom>
+          <a:noFill/>
+        </p:spPr>
+        <p:txBody>
+          <a:bodyPr wrap="square" anchor="ctr">
+            <a:spAutoFit/>
+          </a:bodyPr>
+          <a:lstStyle/>
+          <a:p>
+            <a:r>
+              <a:rPr lang="en-US" dirty="0"/>
+              <a:t>	In conclusion, the Decision Tree Classifier demonstrated superior performance in comparison to other classifiers for the given dataset. The inclusion of the BMI feature in the input variables led to the best results, even considering the presence of outliers in the dataset. By analyzing the Confusion Matrix, we gained valuable insights into the specific errors made by the classifiers. Furthermore, the Cross Validation analysis revealed that the best performance was achieved with a value of 15.</a:t>
+            </a:r>
+          </a:p>
+          <a:p>
+            <a:endParaRPr lang="en-US" sz="1800" dirty="0"/>
+          </a:p>
+          <a:p>
+            <a:r>
+              <a:rPr lang="en-US" dirty="0"/>
+              <a:t>	Overall, the Decision Tree Classifier's ability to handle outliers and leverage the BMI feature contributed to its outstanding performance, making it a favorable choice for classification tasks in this context.</a:t>
+            </a:r>
+            <a:endParaRPr lang="en-US" sz="1800" dirty="0"/>
+          </a:p>
+        </p:txBody>
+      </p:sp>
+    </p:spTree>
+    <p:extLst>
+      <p:ext uri="{BB962C8B-B14F-4D97-AF65-F5344CB8AC3E}">
+        <p14:creationId xmlns:p14="http://schemas.microsoft.com/office/powerpoint/2010/main" val="1684149013"/>
       </p:ext>
     </p:extLst>
   </p:cSld>
